--- a/OpenGL 개발 환경 설정.pptx
+++ b/OpenGL 개발 환경 설정.pptx
@@ -8,6 +8,7 @@
     <p:sldId id="257" r:id="rId2"/>
     <p:sldId id="258" r:id="rId3"/>
     <p:sldId id="260" r:id="rId4"/>
+    <p:sldId id="261" r:id="rId5"/>
   </p:sldIdLst>
   <p:sldSz cx="12192000" cy="6858000"/>
   <p:notesSz cx="6858000" cy="9144000"/>
@@ -106,6 +107,11 @@
       </a:defRPr>
     </a:lvl9pPr>
   </p:defaultTextStyle>
+  <p:extLst>
+    <p:ext uri="{EFAFB233-063F-42B5-8137-9DF3F51BA10A}">
+      <p15:sldGuideLst xmlns:p15="http://schemas.microsoft.com/office/powerpoint/2012/main"/>
+    </p:ext>
+  </p:extLst>
 </p:presentation>
 </file>
 
@@ -256,7 +262,7 @@
           <a:p>
             <a:fld id="{95A41CCD-DF68-4B85-A142-8D7775F9A0E5}" type="datetimeFigureOut">
               <a:rPr lang="ko-KR" altLang="en-US" smtClean="0"/>
-              <a:t>2025-09-10</a:t>
+              <a:t>2025-09-17</a:t>
             </a:fld>
             <a:endParaRPr lang="ko-KR" altLang="en-US"/>
           </a:p>
@@ -454,7 +460,7 @@
           <a:p>
             <a:fld id="{95A41CCD-DF68-4B85-A142-8D7775F9A0E5}" type="datetimeFigureOut">
               <a:rPr lang="ko-KR" altLang="en-US" smtClean="0"/>
-              <a:t>2025-09-10</a:t>
+              <a:t>2025-09-17</a:t>
             </a:fld>
             <a:endParaRPr lang="ko-KR" altLang="en-US"/>
           </a:p>
@@ -662,7 +668,7 @@
           <a:p>
             <a:fld id="{95A41CCD-DF68-4B85-A142-8D7775F9A0E5}" type="datetimeFigureOut">
               <a:rPr lang="ko-KR" altLang="en-US" smtClean="0"/>
-              <a:t>2025-09-10</a:t>
+              <a:t>2025-09-17</a:t>
             </a:fld>
             <a:endParaRPr lang="ko-KR" altLang="en-US"/>
           </a:p>
@@ -860,7 +866,7 @@
           <a:p>
             <a:fld id="{95A41CCD-DF68-4B85-A142-8D7775F9A0E5}" type="datetimeFigureOut">
               <a:rPr lang="ko-KR" altLang="en-US" smtClean="0"/>
-              <a:t>2025-09-10</a:t>
+              <a:t>2025-09-17</a:t>
             </a:fld>
             <a:endParaRPr lang="ko-KR" altLang="en-US"/>
           </a:p>
@@ -1135,7 +1141,7 @@
           <a:p>
             <a:fld id="{95A41CCD-DF68-4B85-A142-8D7775F9A0E5}" type="datetimeFigureOut">
               <a:rPr lang="ko-KR" altLang="en-US" smtClean="0"/>
-              <a:t>2025-09-10</a:t>
+              <a:t>2025-09-17</a:t>
             </a:fld>
             <a:endParaRPr lang="ko-KR" altLang="en-US"/>
           </a:p>
@@ -1400,7 +1406,7 @@
           <a:p>
             <a:fld id="{95A41CCD-DF68-4B85-A142-8D7775F9A0E5}" type="datetimeFigureOut">
               <a:rPr lang="ko-KR" altLang="en-US" smtClean="0"/>
-              <a:t>2025-09-10</a:t>
+              <a:t>2025-09-17</a:t>
             </a:fld>
             <a:endParaRPr lang="ko-KR" altLang="en-US"/>
           </a:p>
@@ -1812,7 +1818,7 @@
           <a:p>
             <a:fld id="{95A41CCD-DF68-4B85-A142-8D7775F9A0E5}" type="datetimeFigureOut">
               <a:rPr lang="ko-KR" altLang="en-US" smtClean="0"/>
-              <a:t>2025-09-10</a:t>
+              <a:t>2025-09-17</a:t>
             </a:fld>
             <a:endParaRPr lang="ko-KR" altLang="en-US"/>
           </a:p>
@@ -1953,7 +1959,7 @@
           <a:p>
             <a:fld id="{95A41CCD-DF68-4B85-A142-8D7775F9A0E5}" type="datetimeFigureOut">
               <a:rPr lang="ko-KR" altLang="en-US" smtClean="0"/>
-              <a:t>2025-09-10</a:t>
+              <a:t>2025-09-17</a:t>
             </a:fld>
             <a:endParaRPr lang="ko-KR" altLang="en-US"/>
           </a:p>
@@ -2066,7 +2072,7 @@
           <a:p>
             <a:fld id="{95A41CCD-DF68-4B85-A142-8D7775F9A0E5}" type="datetimeFigureOut">
               <a:rPr lang="ko-KR" altLang="en-US" smtClean="0"/>
-              <a:t>2025-09-10</a:t>
+              <a:t>2025-09-17</a:t>
             </a:fld>
             <a:endParaRPr lang="ko-KR" altLang="en-US"/>
           </a:p>
@@ -2377,7 +2383,7 @@
           <a:p>
             <a:fld id="{95A41CCD-DF68-4B85-A142-8D7775F9A0E5}" type="datetimeFigureOut">
               <a:rPr lang="ko-KR" altLang="en-US" smtClean="0"/>
-              <a:t>2025-09-10</a:t>
+              <a:t>2025-09-17</a:t>
             </a:fld>
             <a:endParaRPr lang="ko-KR" altLang="en-US"/>
           </a:p>
@@ -2665,7 +2671,7 @@
           <a:p>
             <a:fld id="{95A41CCD-DF68-4B85-A142-8D7775F9A0E5}" type="datetimeFigureOut">
               <a:rPr lang="ko-KR" altLang="en-US" smtClean="0"/>
-              <a:t>2025-09-10</a:t>
+              <a:t>2025-09-17</a:t>
             </a:fld>
             <a:endParaRPr lang="ko-KR" altLang="en-US"/>
           </a:p>
@@ -2906,7 +2912,7 @@
           <a:p>
             <a:fld id="{95A41CCD-DF68-4B85-A142-8D7775F9A0E5}" type="datetimeFigureOut">
               <a:rPr lang="ko-KR" altLang="en-US" smtClean="0"/>
-              <a:t>2025-09-10</a:t>
+              <a:t>2025-09-17</a:t>
             </a:fld>
             <a:endParaRPr lang="ko-KR" altLang="en-US"/>
           </a:p>
@@ -3952,6 +3958,1192 @@
 </p:sld>
 </file>
 
+<file path=ppt/slides/slide4.xml><?xml version="1.0" encoding="utf-8"?>
+<p:sld xmlns:a="http://schemas.openxmlformats.org/drawingml/2006/main" xmlns:r="http://schemas.openxmlformats.org/officeDocument/2006/relationships" xmlns:p="http://schemas.openxmlformats.org/presentationml/2006/main">
+  <p:cSld>
+    <p:bg>
+      <p:bgPr>
+        <a:solidFill>
+          <a:schemeClr val="bg1"/>
+        </a:solidFill>
+        <a:effectLst/>
+      </p:bgPr>
+    </p:bg>
+    <p:spTree>
+      <p:nvGrpSpPr>
+        <p:cNvPr id="1" name=""/>
+        <p:cNvGrpSpPr/>
+        <p:nvPr/>
+      </p:nvGrpSpPr>
+      <p:grpSpPr>
+        <a:xfrm>
+          <a:off x="0" y="0"/>
+          <a:ext cx="0" cy="0"/>
+          <a:chOff x="0" y="0"/>
+          <a:chExt cx="0" cy="0"/>
+        </a:xfrm>
+      </p:grpSpPr>
+      <p:sp useBgFill="1">
+        <p:nvSpPr>
+          <p:cNvPr id="11" name="Rectangle 10">
+            <a:extLst>
+              <a:ext uri="{FF2B5EF4-FFF2-40B4-BE49-F238E27FC236}">
+                <a16:creationId xmlns:a16="http://schemas.microsoft.com/office/drawing/2014/main" id="{76906711-0AFB-47DD-A4B6-4E94B38B8C91}"/>
+              </a:ext>
+              <a:ext uri="{C183D7F6-B498-43B3-948B-1728B52AA6E4}">
+                <adec:decorative xmlns:adec="http://schemas.microsoft.com/office/drawing/2017/decorative" val="1"/>
+              </a:ext>
+            </a:extLst>
+          </p:cNvPr>
+          <p:cNvSpPr>
+            <a:spLocks noGrp="1" noRot="1" noChangeAspect="1" noMove="1" noResize="1" noEditPoints="1" noAdjustHandles="1" noChangeArrowheads="1" noChangeShapeType="1" noTextEdit="1"/>
+          </p:cNvSpPr>
+          <p:nvPr>
+            <p:extLst>
+              <p:ext uri="{386F3935-93C4-4BCD-93E2-E3B085C9AB24}">
+                <p16:designElem xmlns:p16="http://schemas.microsoft.com/office/powerpoint/2015/main" val="1"/>
+              </p:ext>
+            </p:extLst>
+          </p:nvPr>
+        </p:nvSpPr>
+        <p:spPr>
+          <a:xfrm>
+            <a:off x="0" y="0"/>
+            <a:ext cx="12192000" cy="6858000"/>
+          </a:xfrm>
+          <a:prstGeom prst="rect">
+            <a:avLst/>
+          </a:prstGeom>
+          <a:ln>
+            <a:noFill/>
+          </a:ln>
+        </p:spPr>
+        <p:style>
+          <a:lnRef idx="2">
+            <a:schemeClr val="accent1">
+              <a:shade val="50000"/>
+            </a:schemeClr>
+          </a:lnRef>
+          <a:fillRef idx="1">
+            <a:schemeClr val="accent1"/>
+          </a:fillRef>
+          <a:effectRef idx="0">
+            <a:schemeClr val="accent1"/>
+          </a:effectRef>
+          <a:fontRef idx="minor">
+            <a:schemeClr val="lt1"/>
+          </a:fontRef>
+        </p:style>
+        <p:txBody>
+          <a:bodyPr rtlCol="0" anchor="ctr"/>
+          <a:lstStyle/>
+          <a:p>
+            <a:pPr algn="ctr"/>
+            <a:endParaRPr lang="en-US"/>
+          </a:p>
+        </p:txBody>
+      </p:sp>
+      <p:sp>
+        <p:nvSpPr>
+          <p:cNvPr id="13" name="Freeform: Shape 12">
+            <a:extLst>
+              <a:ext uri="{FF2B5EF4-FFF2-40B4-BE49-F238E27FC236}">
+                <a16:creationId xmlns:a16="http://schemas.microsoft.com/office/drawing/2014/main" id="{AA91F649-894C-41F6-A21D-3D1AC558E934}"/>
+              </a:ext>
+              <a:ext uri="{C183D7F6-B498-43B3-948B-1728B52AA6E4}">
+                <adec:decorative xmlns:adec="http://schemas.microsoft.com/office/drawing/2017/decorative" val="1"/>
+              </a:ext>
+            </a:extLst>
+          </p:cNvPr>
+          <p:cNvSpPr>
+            <a:spLocks noGrp="1" noRot="1" noChangeAspect="1" noMove="1" noResize="1" noEditPoints="1" noAdjustHandles="1" noChangeArrowheads="1" noChangeShapeType="1" noTextEdit="1"/>
+          </p:cNvSpPr>
+          <p:nvPr>
+            <p:extLst>
+              <p:ext uri="{386F3935-93C4-4BCD-93E2-E3B085C9AB24}">
+                <p16:designElem xmlns:p16="http://schemas.microsoft.com/office/powerpoint/2015/main" val="1"/>
+              </p:ext>
+            </p:extLst>
+          </p:nvPr>
+        </p:nvSpPr>
+        <p:spPr>
+          <a:xfrm>
+            <a:off x="0" y="0"/>
+            <a:ext cx="12192000" cy="2877832"/>
+          </a:xfrm>
+          <a:custGeom>
+            <a:avLst/>
+            <a:gdLst>
+              <a:gd name="connsiteX0" fmla="*/ 6789701 w 12192000"/>
+              <a:gd name="connsiteY0" fmla="*/ 2809623 h 2877832"/>
+              <a:gd name="connsiteX1" fmla="*/ 6788702 w 12192000"/>
+              <a:gd name="connsiteY1" fmla="*/ 2809701 h 2877832"/>
+              <a:gd name="connsiteX2" fmla="*/ 6788476 w 12192000"/>
+              <a:gd name="connsiteY2" fmla="*/ 2810235 h 2877832"/>
+              <a:gd name="connsiteX3" fmla="*/ 0 w 12192000"/>
+              <a:gd name="connsiteY3" fmla="*/ 0 h 2877832"/>
+              <a:gd name="connsiteX4" fmla="*/ 12192000 w 12192000"/>
+              <a:gd name="connsiteY4" fmla="*/ 0 h 2877832"/>
+              <a:gd name="connsiteX5" fmla="*/ 12192000 w 12192000"/>
+              <a:gd name="connsiteY5" fmla="*/ 1915388 h 2877832"/>
+              <a:gd name="connsiteX6" fmla="*/ 12061096 w 12192000"/>
+              <a:gd name="connsiteY6" fmla="*/ 1954428 h 2877832"/>
+              <a:gd name="connsiteX7" fmla="*/ 11676800 w 12192000"/>
+              <a:gd name="connsiteY7" fmla="*/ 2058003 h 2877832"/>
+              <a:gd name="connsiteX8" fmla="*/ 10425355 w 12192000"/>
+              <a:gd name="connsiteY8" fmla="*/ 2341542 h 2877832"/>
+              <a:gd name="connsiteX9" fmla="*/ 9424022 w 12192000"/>
+              <a:gd name="connsiteY9" fmla="*/ 2516704 h 2877832"/>
+              <a:gd name="connsiteX10" fmla="*/ 8458419 w 12192000"/>
+              <a:gd name="connsiteY10" fmla="*/ 2650405 h 2877832"/>
+              <a:gd name="connsiteX11" fmla="*/ 7715970 w 12192000"/>
+              <a:gd name="connsiteY11" fmla="*/ 2730352 h 2877832"/>
+              <a:gd name="connsiteX12" fmla="*/ 6951716 w 12192000"/>
+              <a:gd name="connsiteY12" fmla="*/ 2796132 h 2877832"/>
+              <a:gd name="connsiteX13" fmla="*/ 6936303 w 12192000"/>
+              <a:gd name="connsiteY13" fmla="*/ 2798203 h 2877832"/>
+              <a:gd name="connsiteX14" fmla="*/ 6790448 w 12192000"/>
+              <a:gd name="connsiteY14" fmla="*/ 2809564 h 2877832"/>
+              <a:gd name="connsiteX15" fmla="*/ 6799941 w 12192000"/>
+              <a:gd name="connsiteY15" fmla="*/ 2811384 h 2877832"/>
+              <a:gd name="connsiteX16" fmla="*/ 6835432 w 12192000"/>
+              <a:gd name="connsiteY16" fmla="*/ 2809677 h 2877832"/>
+              <a:gd name="connsiteX17" fmla="*/ 6884003 w 12192000"/>
+              <a:gd name="connsiteY17" fmla="*/ 2806699 h 2877832"/>
+              <a:gd name="connsiteX18" fmla="*/ 7578771 w 12192000"/>
+              <a:gd name="connsiteY18" fmla="*/ 2774172 h 2877832"/>
+              <a:gd name="connsiteX19" fmla="*/ 8623845 w 12192000"/>
+              <a:gd name="connsiteY19" fmla="*/ 2687275 h 2877832"/>
+              <a:gd name="connsiteX20" fmla="*/ 9479970 w 12192000"/>
+              <a:gd name="connsiteY20" fmla="*/ 2583369 h 2877832"/>
+              <a:gd name="connsiteX21" fmla="*/ 10629308 w 12192000"/>
+              <a:gd name="connsiteY21" fmla="*/ 2389212 h 2877832"/>
+              <a:gd name="connsiteX22" fmla="*/ 11998498 w 12192000"/>
+              <a:gd name="connsiteY22" fmla="*/ 2063218 h 2877832"/>
+              <a:gd name="connsiteX23" fmla="*/ 12192000 w 12192000"/>
+              <a:gd name="connsiteY23" fmla="*/ 2006219 h 2877832"/>
+              <a:gd name="connsiteX24" fmla="*/ 12192000 w 12192000"/>
+              <a:gd name="connsiteY24" fmla="*/ 2060956 h 2877832"/>
+              <a:gd name="connsiteX25" fmla="*/ 11829257 w 12192000"/>
+              <a:gd name="connsiteY25" fmla="*/ 2166255 h 2877832"/>
+              <a:gd name="connsiteX26" fmla="*/ 10939183 w 12192000"/>
+              <a:gd name="connsiteY26" fmla="*/ 2380770 h 2877832"/>
+              <a:gd name="connsiteX27" fmla="*/ 9985530 w 12192000"/>
+              <a:gd name="connsiteY27" fmla="*/ 2560775 h 2877832"/>
+              <a:gd name="connsiteX28" fmla="*/ 9186882 w 12192000"/>
+              <a:gd name="connsiteY28" fmla="*/ 2676722 h 2877832"/>
+              <a:gd name="connsiteX29" fmla="*/ 8578198 w 12192000"/>
+              <a:gd name="connsiteY29" fmla="*/ 2746241 h 2877832"/>
+              <a:gd name="connsiteX30" fmla="*/ 7864358 w 12192000"/>
+              <a:gd name="connsiteY30" fmla="*/ 2807692 h 2877832"/>
+              <a:gd name="connsiteX31" fmla="*/ 6935502 w 12192000"/>
+              <a:gd name="connsiteY31" fmla="*/ 2859086 h 2877832"/>
+              <a:gd name="connsiteX32" fmla="*/ 6477750 w 12192000"/>
+              <a:gd name="connsiteY32" fmla="*/ 2872989 h 2877832"/>
+              <a:gd name="connsiteX33" fmla="*/ 6362294 w 12192000"/>
+              <a:gd name="connsiteY33" fmla="*/ 2877832 h 2877832"/>
+              <a:gd name="connsiteX34" fmla="*/ 6057129 w 12192000"/>
+              <a:gd name="connsiteY34" fmla="*/ 2877832 h 2877832"/>
+              <a:gd name="connsiteX35" fmla="*/ 5977784 w 12192000"/>
+              <a:gd name="connsiteY35" fmla="*/ 2873238 h 2877832"/>
+              <a:gd name="connsiteX36" fmla="*/ 5265087 w 12192000"/>
+              <a:gd name="connsiteY36" fmla="*/ 2836989 h 2877832"/>
+              <a:gd name="connsiteX37" fmla="*/ 4346277 w 12192000"/>
+              <a:gd name="connsiteY37" fmla="*/ 2774919 h 2877832"/>
+              <a:gd name="connsiteX38" fmla="*/ 3373045 w 12192000"/>
+              <a:gd name="connsiteY38" fmla="*/ 2676350 h 2877832"/>
+              <a:gd name="connsiteX39" fmla="*/ 2362173 w 12192000"/>
+              <a:gd name="connsiteY39" fmla="*/ 2557423 h 2877832"/>
+              <a:gd name="connsiteX40" fmla="*/ 1233178 w 12192000"/>
+              <a:gd name="connsiteY40" fmla="*/ 2384247 h 2877832"/>
+              <a:gd name="connsiteX41" fmla="*/ 68500 w 12192000"/>
+              <a:gd name="connsiteY41" fmla="*/ 2144540 h 2877832"/>
+              <a:gd name="connsiteX42" fmla="*/ 0 w 12192000"/>
+              <a:gd name="connsiteY42" fmla="*/ 2127185 h 2877832"/>
+              <a:gd name="connsiteX43" fmla="*/ 0 w 12192000"/>
+              <a:gd name="connsiteY43" fmla="*/ 2070696 h 2877832"/>
+              <a:gd name="connsiteX44" fmla="*/ 72441 w 12192000"/>
+              <a:gd name="connsiteY44" fmla="*/ 2089473 h 2877832"/>
+              <a:gd name="connsiteX45" fmla="*/ 600716 w 12192000"/>
+              <a:gd name="connsiteY45" fmla="*/ 2207843 h 2877832"/>
+              <a:gd name="connsiteX46" fmla="*/ 1769512 w 12192000"/>
+              <a:gd name="connsiteY46" fmla="*/ 2418011 h 2877832"/>
+              <a:gd name="connsiteX47" fmla="*/ 2613554 w 12192000"/>
+              <a:gd name="connsiteY47" fmla="*/ 2534953 h 2877832"/>
+              <a:gd name="connsiteX48" fmla="*/ 2581134 w 12192000"/>
+              <a:gd name="connsiteY48" fmla="*/ 2525022 h 2877832"/>
+              <a:gd name="connsiteX49" fmla="*/ 1112635 w 12192000"/>
+              <a:gd name="connsiteY49" fmla="*/ 2192325 h 2877832"/>
+              <a:gd name="connsiteX50" fmla="*/ 420412 w 12192000"/>
+              <a:gd name="connsiteY50" fmla="*/ 1992892 h 2877832"/>
+              <a:gd name="connsiteX51" fmla="*/ 0 w 12192000"/>
+              <a:gd name="connsiteY51" fmla="*/ 1853975 h 2877832"/>
+            </a:gdLst>
+            <a:ahLst/>
+            <a:cxnLst>
+              <a:cxn ang="0">
+                <a:pos x="connsiteX0" y="connsiteY0"/>
+              </a:cxn>
+              <a:cxn ang="0">
+                <a:pos x="connsiteX1" y="connsiteY1"/>
+              </a:cxn>
+              <a:cxn ang="0">
+                <a:pos x="connsiteX2" y="connsiteY2"/>
+              </a:cxn>
+              <a:cxn ang="0">
+                <a:pos x="connsiteX3" y="connsiteY3"/>
+              </a:cxn>
+              <a:cxn ang="0">
+                <a:pos x="connsiteX4" y="connsiteY4"/>
+              </a:cxn>
+              <a:cxn ang="0">
+                <a:pos x="connsiteX5" y="connsiteY5"/>
+              </a:cxn>
+              <a:cxn ang="0">
+                <a:pos x="connsiteX6" y="connsiteY6"/>
+              </a:cxn>
+              <a:cxn ang="0">
+                <a:pos x="connsiteX7" y="connsiteY7"/>
+              </a:cxn>
+              <a:cxn ang="0">
+                <a:pos x="connsiteX8" y="connsiteY8"/>
+              </a:cxn>
+              <a:cxn ang="0">
+                <a:pos x="connsiteX9" y="connsiteY9"/>
+              </a:cxn>
+              <a:cxn ang="0">
+                <a:pos x="connsiteX10" y="connsiteY10"/>
+              </a:cxn>
+              <a:cxn ang="0">
+                <a:pos x="connsiteX11" y="connsiteY11"/>
+              </a:cxn>
+              <a:cxn ang="0">
+                <a:pos x="connsiteX12" y="connsiteY12"/>
+              </a:cxn>
+              <a:cxn ang="0">
+                <a:pos x="connsiteX13" y="connsiteY13"/>
+              </a:cxn>
+              <a:cxn ang="0">
+                <a:pos x="connsiteX14" y="connsiteY14"/>
+              </a:cxn>
+              <a:cxn ang="0">
+                <a:pos x="connsiteX15" y="connsiteY15"/>
+              </a:cxn>
+              <a:cxn ang="0">
+                <a:pos x="connsiteX16" y="connsiteY16"/>
+              </a:cxn>
+              <a:cxn ang="0">
+                <a:pos x="connsiteX17" y="connsiteY17"/>
+              </a:cxn>
+              <a:cxn ang="0">
+                <a:pos x="connsiteX18" y="connsiteY18"/>
+              </a:cxn>
+              <a:cxn ang="0">
+                <a:pos x="connsiteX19" y="connsiteY19"/>
+              </a:cxn>
+              <a:cxn ang="0">
+                <a:pos x="connsiteX20" y="connsiteY20"/>
+              </a:cxn>
+              <a:cxn ang="0">
+                <a:pos x="connsiteX21" y="connsiteY21"/>
+              </a:cxn>
+              <a:cxn ang="0">
+                <a:pos x="connsiteX22" y="connsiteY22"/>
+              </a:cxn>
+              <a:cxn ang="0">
+                <a:pos x="connsiteX23" y="connsiteY23"/>
+              </a:cxn>
+              <a:cxn ang="0">
+                <a:pos x="connsiteX24" y="connsiteY24"/>
+              </a:cxn>
+              <a:cxn ang="0">
+                <a:pos x="connsiteX25" y="connsiteY25"/>
+              </a:cxn>
+              <a:cxn ang="0">
+                <a:pos x="connsiteX26" y="connsiteY26"/>
+              </a:cxn>
+              <a:cxn ang="0">
+                <a:pos x="connsiteX27" y="connsiteY27"/>
+              </a:cxn>
+              <a:cxn ang="0">
+                <a:pos x="connsiteX28" y="connsiteY28"/>
+              </a:cxn>
+              <a:cxn ang="0">
+                <a:pos x="connsiteX29" y="connsiteY29"/>
+              </a:cxn>
+              <a:cxn ang="0">
+                <a:pos x="connsiteX30" y="connsiteY30"/>
+              </a:cxn>
+              <a:cxn ang="0">
+                <a:pos x="connsiteX31" y="connsiteY31"/>
+              </a:cxn>
+              <a:cxn ang="0">
+                <a:pos x="connsiteX32" y="connsiteY32"/>
+              </a:cxn>
+              <a:cxn ang="0">
+                <a:pos x="connsiteX33" y="connsiteY33"/>
+              </a:cxn>
+              <a:cxn ang="0">
+                <a:pos x="connsiteX34" y="connsiteY34"/>
+              </a:cxn>
+              <a:cxn ang="0">
+                <a:pos x="connsiteX35" y="connsiteY35"/>
+              </a:cxn>
+              <a:cxn ang="0">
+                <a:pos x="connsiteX36" y="connsiteY36"/>
+              </a:cxn>
+              <a:cxn ang="0">
+                <a:pos x="connsiteX37" y="connsiteY37"/>
+              </a:cxn>
+              <a:cxn ang="0">
+                <a:pos x="connsiteX38" y="connsiteY38"/>
+              </a:cxn>
+              <a:cxn ang="0">
+                <a:pos x="connsiteX39" y="connsiteY39"/>
+              </a:cxn>
+              <a:cxn ang="0">
+                <a:pos x="connsiteX40" y="connsiteY40"/>
+              </a:cxn>
+              <a:cxn ang="0">
+                <a:pos x="connsiteX41" y="connsiteY41"/>
+              </a:cxn>
+              <a:cxn ang="0">
+                <a:pos x="connsiteX42" y="connsiteY42"/>
+              </a:cxn>
+              <a:cxn ang="0">
+                <a:pos x="connsiteX43" y="connsiteY43"/>
+              </a:cxn>
+              <a:cxn ang="0">
+                <a:pos x="connsiteX44" y="connsiteY44"/>
+              </a:cxn>
+              <a:cxn ang="0">
+                <a:pos x="connsiteX45" y="connsiteY45"/>
+              </a:cxn>
+              <a:cxn ang="0">
+                <a:pos x="connsiteX46" y="connsiteY46"/>
+              </a:cxn>
+              <a:cxn ang="0">
+                <a:pos x="connsiteX47" y="connsiteY47"/>
+              </a:cxn>
+              <a:cxn ang="0">
+                <a:pos x="connsiteX48" y="connsiteY48"/>
+              </a:cxn>
+              <a:cxn ang="0">
+                <a:pos x="connsiteX49" y="connsiteY49"/>
+              </a:cxn>
+              <a:cxn ang="0">
+                <a:pos x="connsiteX50" y="connsiteY50"/>
+              </a:cxn>
+              <a:cxn ang="0">
+                <a:pos x="connsiteX51" y="connsiteY51"/>
+              </a:cxn>
+            </a:cxnLst>
+            <a:rect l="l" t="t" r="r" b="b"/>
+            <a:pathLst>
+              <a:path w="12192000" h="2877832">
+                <a:moveTo>
+                  <a:pt x="6789701" y="2809623"/>
+                </a:moveTo>
+                <a:lnTo>
+                  <a:pt x="6788702" y="2809701"/>
+                </a:lnTo>
+                <a:lnTo>
+                  <a:pt x="6788476" y="2810235"/>
+                </a:lnTo>
+                <a:close/>
+                <a:moveTo>
+                  <a:pt x="0" y="0"/>
+                </a:moveTo>
+                <a:lnTo>
+                  <a:pt x="12192000" y="0"/>
+                </a:lnTo>
+                <a:lnTo>
+                  <a:pt x="12192000" y="1915388"/>
+                </a:lnTo>
+                <a:lnTo>
+                  <a:pt x="12061096" y="1954428"/>
+                </a:lnTo>
+                <a:cubicBezTo>
+                  <a:pt x="11933500" y="1990642"/>
+                  <a:pt x="11805390" y="2025171"/>
+                  <a:pt x="11676800" y="2058003"/>
+                </a:cubicBezTo>
+                <a:cubicBezTo>
+                  <a:pt x="11262789" y="2165510"/>
+                  <a:pt x="10845343" y="2259112"/>
+                  <a:pt x="10425355" y="2341542"/>
+                </a:cubicBezTo>
+                <a:cubicBezTo>
+                  <a:pt x="10092810" y="2406753"/>
+                  <a:pt x="9759033" y="2465150"/>
+                  <a:pt x="9424022" y="2516704"/>
+                </a:cubicBezTo>
+                <a:cubicBezTo>
+                  <a:pt x="9102997" y="2566361"/>
+                  <a:pt x="8781133" y="2610928"/>
+                  <a:pt x="8458419" y="2650405"/>
+                </a:cubicBezTo>
+                <a:cubicBezTo>
+                  <a:pt x="8211360" y="2680571"/>
+                  <a:pt x="7963792" y="2706144"/>
+                  <a:pt x="7715970" y="2730352"/>
+                </a:cubicBezTo>
+                <a:lnTo>
+                  <a:pt x="6951716" y="2796132"/>
+                </a:lnTo>
+                <a:lnTo>
+                  <a:pt x="6936303" y="2798203"/>
+                </a:lnTo>
+                <a:lnTo>
+                  <a:pt x="6790448" y="2809564"/>
+                </a:lnTo>
+                <a:lnTo>
+                  <a:pt x="6799941" y="2811384"/>
+                </a:lnTo>
+                <a:cubicBezTo>
+                  <a:pt x="6811623" y="2811850"/>
+                  <a:pt x="6823734" y="2809677"/>
+                  <a:pt x="6835432" y="2809677"/>
+                </a:cubicBezTo>
+                <a:cubicBezTo>
+                  <a:pt x="6851580" y="2809677"/>
+                  <a:pt x="6867729" y="2807070"/>
+                  <a:pt x="6884003" y="2806699"/>
+                </a:cubicBezTo>
+                <a:cubicBezTo>
+                  <a:pt x="7115805" y="2801237"/>
+                  <a:pt x="7347351" y="2789070"/>
+                  <a:pt x="7578771" y="2774172"/>
+                </a:cubicBezTo>
+                <a:cubicBezTo>
+                  <a:pt x="7927552" y="2751704"/>
+                  <a:pt x="8276080" y="2723525"/>
+                  <a:pt x="8623845" y="2687275"/>
+                </a:cubicBezTo>
+                <a:cubicBezTo>
+                  <a:pt x="8909939" y="2657977"/>
+                  <a:pt x="9195310" y="2623342"/>
+                  <a:pt x="9479970" y="2583369"/>
+                </a:cubicBezTo>
+                <a:cubicBezTo>
+                  <a:pt x="9864901" y="2528995"/>
+                  <a:pt x="10248014" y="2464281"/>
+                  <a:pt x="10629308" y="2389212"/>
+                </a:cubicBezTo>
+                <a:cubicBezTo>
+                  <a:pt x="11090114" y="2298092"/>
+                  <a:pt x="11546975" y="2190586"/>
+                  <a:pt x="11998498" y="2063218"/>
+                </a:cubicBezTo>
+                <a:lnTo>
+                  <a:pt x="12192000" y="2006219"/>
+                </a:lnTo>
+                <a:lnTo>
+                  <a:pt x="12192000" y="2060956"/>
+                </a:lnTo>
+                <a:lnTo>
+                  <a:pt x="11829257" y="2166255"/>
+                </a:lnTo>
+                <a:cubicBezTo>
+                  <a:pt x="11534769" y="2245952"/>
+                  <a:pt x="11238120" y="2316838"/>
+                  <a:pt x="10939183" y="2380770"/>
+                </a:cubicBezTo>
+                <a:cubicBezTo>
+                  <a:pt x="10622824" y="2448552"/>
+                  <a:pt x="10304941" y="2508549"/>
+                  <a:pt x="9985530" y="2560775"/>
+                </a:cubicBezTo>
+                <a:cubicBezTo>
+                  <a:pt x="9720036" y="2604224"/>
+                  <a:pt x="9453814" y="2642869"/>
+                  <a:pt x="9186882" y="2676722"/>
+                </a:cubicBezTo>
+                <a:cubicBezTo>
+                  <a:pt x="8984197" y="2702296"/>
+                  <a:pt x="8781514" y="2726379"/>
+                  <a:pt x="8578198" y="2746241"/>
+                </a:cubicBezTo>
+                <a:cubicBezTo>
+                  <a:pt x="8340547" y="2768961"/>
+                  <a:pt x="8102644" y="2790436"/>
+                  <a:pt x="7864358" y="2807692"/>
+                </a:cubicBezTo>
+                <a:cubicBezTo>
+                  <a:pt x="7554994" y="2830036"/>
+                  <a:pt x="7245502" y="2847914"/>
+                  <a:pt x="6935502" y="2859086"/>
+                </a:cubicBezTo>
+                <a:cubicBezTo>
+                  <a:pt x="6782917" y="2864549"/>
+                  <a:pt x="6630334" y="2868397"/>
+                  <a:pt x="6477750" y="2872989"/>
+                </a:cubicBezTo>
+                <a:cubicBezTo>
+                  <a:pt x="6439195" y="2870905"/>
+                  <a:pt x="6400529" y="2872530"/>
+                  <a:pt x="6362294" y="2877832"/>
+                </a:cubicBezTo>
+                <a:lnTo>
+                  <a:pt x="6057129" y="2877832"/>
+                </a:lnTo>
+                <a:lnTo>
+                  <a:pt x="5977784" y="2873238"/>
+                </a:lnTo>
+                <a:cubicBezTo>
+                  <a:pt x="5740261" y="2860825"/>
+                  <a:pt x="5502739" y="2847046"/>
+                  <a:pt x="5265087" y="2836989"/>
+                </a:cubicBezTo>
+                <a:cubicBezTo>
+                  <a:pt x="4958267" y="2824573"/>
+                  <a:pt x="4651826" y="2804093"/>
+                  <a:pt x="4346277" y="2774919"/>
+                </a:cubicBezTo>
+                <a:cubicBezTo>
+                  <a:pt x="4021654" y="2744007"/>
+                  <a:pt x="3697795" y="2709372"/>
+                  <a:pt x="3373045" y="2676350"/>
+                </a:cubicBezTo>
+                <a:cubicBezTo>
+                  <a:pt x="3035412" y="2642088"/>
+                  <a:pt x="2698456" y="2602449"/>
+                  <a:pt x="2362173" y="2557423"/>
+                </a:cubicBezTo>
+                <a:cubicBezTo>
+                  <a:pt x="1984692" y="2507270"/>
+                  <a:pt x="1608364" y="2449544"/>
+                  <a:pt x="1233178" y="2384247"/>
+                </a:cubicBezTo>
+                <a:cubicBezTo>
+                  <a:pt x="842181" y="2315534"/>
+                  <a:pt x="453758" y="2237046"/>
+                  <a:pt x="68500" y="2144540"/>
+                </a:cubicBezTo>
+                <a:lnTo>
+                  <a:pt x="0" y="2127185"/>
+                </a:lnTo>
+                <a:lnTo>
+                  <a:pt x="0" y="2070696"/>
+                </a:lnTo>
+                <a:lnTo>
+                  <a:pt x="72441" y="2089473"/>
+                </a:lnTo>
+                <a:cubicBezTo>
+                  <a:pt x="247961" y="2131651"/>
+                  <a:pt x="424164" y="2170911"/>
+                  <a:pt x="600716" y="2207843"/>
+                </a:cubicBezTo>
+                <a:cubicBezTo>
+                  <a:pt x="988279" y="2288657"/>
+                  <a:pt x="1378133" y="2357555"/>
+                  <a:pt x="1769512" y="2418011"/>
+                </a:cubicBezTo>
+                <a:cubicBezTo>
+                  <a:pt x="2052426" y="2461587"/>
+                  <a:pt x="2335725" y="2501684"/>
+                  <a:pt x="2613554" y="2534953"/>
+                </a:cubicBezTo>
+                <a:cubicBezTo>
+                  <a:pt x="2605544" y="2537560"/>
+                  <a:pt x="2594611" y="2527504"/>
+                  <a:pt x="2581134" y="2525022"/>
+                </a:cubicBezTo>
+                <a:cubicBezTo>
+                  <a:pt x="2087178" y="2433070"/>
+                  <a:pt x="1597684" y="2322177"/>
+                  <a:pt x="1112635" y="2192325"/>
+                </a:cubicBezTo>
+                <a:cubicBezTo>
+                  <a:pt x="880453" y="2130254"/>
+                  <a:pt x="649713" y="2063776"/>
+                  <a:pt x="420412" y="1992892"/>
+                </a:cubicBezTo>
+                <a:lnTo>
+                  <a:pt x="0" y="1853975"/>
+                </a:lnTo>
+                <a:close/>
+              </a:path>
+            </a:pathLst>
+          </a:custGeom>
+          <a:solidFill>
+            <a:schemeClr val="accent2"/>
+          </a:solidFill>
+          <a:ln>
+            <a:noFill/>
+          </a:ln>
+        </p:spPr>
+        <p:style>
+          <a:lnRef idx="2">
+            <a:schemeClr val="accent1">
+              <a:shade val="50000"/>
+            </a:schemeClr>
+          </a:lnRef>
+          <a:fillRef idx="1">
+            <a:schemeClr val="accent1"/>
+          </a:fillRef>
+          <a:effectRef idx="0">
+            <a:schemeClr val="accent1"/>
+          </a:effectRef>
+          <a:fontRef idx="minor">
+            <a:schemeClr val="lt1"/>
+          </a:fontRef>
+        </p:style>
+        <p:txBody>
+          <a:bodyPr wrap="square" rtlCol="0" anchor="ctr">
+            <a:noAutofit/>
+          </a:bodyPr>
+          <a:lstStyle/>
+          <a:p>
+            <a:pPr algn="ctr"/>
+            <a:endParaRPr lang="en-US"/>
+          </a:p>
+        </p:txBody>
+      </p:sp>
+      <p:sp>
+        <p:nvSpPr>
+          <p:cNvPr id="2" name="제목 1">
+            <a:extLst>
+              <a:ext uri="{FF2B5EF4-FFF2-40B4-BE49-F238E27FC236}">
+                <a16:creationId xmlns:a16="http://schemas.microsoft.com/office/drawing/2014/main" id="{E13CD18D-1E7C-E57E-A277-4E98147E19C9}"/>
+              </a:ext>
+            </a:extLst>
+          </p:cNvPr>
+          <p:cNvSpPr>
+            <a:spLocks noGrp="1"/>
+          </p:cNvSpPr>
+          <p:nvPr>
+            <p:ph type="title"/>
+          </p:nvPr>
+        </p:nvSpPr>
+        <p:spPr>
+          <a:xfrm>
+            <a:off x="638881" y="390525"/>
+            <a:ext cx="10909640" cy="1510301"/>
+          </a:xfrm>
+        </p:spPr>
+        <p:txBody>
+          <a:bodyPr vert="horz" lIns="91440" tIns="45720" rIns="91440" bIns="45720" rtlCol="0" anchor="ctr">
+            <a:normAutofit/>
+          </a:bodyPr>
+          <a:lstStyle/>
+          <a:p>
+            <a:pPr algn="ctr" latinLnBrk="0"/>
+            <a:r>
+              <a:rPr lang="en-US" altLang="ko-KR" sz="6600" kern="1200">
+                <a:solidFill>
+                  <a:srgbClr val="FFFFFF"/>
+                </a:solidFill>
+                <a:latin typeface="+mj-lt"/>
+                <a:ea typeface="+mj-ea"/>
+                <a:cs typeface="+mj-cs"/>
+              </a:rPr>
+              <a:t>GLEW(</a:t>
+            </a:r>
+            <a:r>
+              <a:rPr lang="ko-KR" altLang="en-US" sz="6600" kern="1200">
+                <a:solidFill>
+                  <a:srgbClr val="FFFFFF"/>
+                </a:solidFill>
+                <a:latin typeface="+mj-lt"/>
+                <a:ea typeface="+mj-ea"/>
+                <a:cs typeface="+mj-cs"/>
+              </a:rPr>
+              <a:t>글루</a:t>
+            </a:r>
+            <a:r>
+              <a:rPr lang="en-US" altLang="ko-KR" sz="6600" kern="1200">
+                <a:solidFill>
+                  <a:srgbClr val="FFFFFF"/>
+                </a:solidFill>
+                <a:latin typeface="+mj-lt"/>
+                <a:ea typeface="+mj-ea"/>
+                <a:cs typeface="+mj-cs"/>
+              </a:rPr>
+              <a:t>) </a:t>
+            </a:r>
+            <a:r>
+              <a:rPr lang="ko-KR" altLang="en-US" sz="6600" kern="1200">
+                <a:solidFill>
+                  <a:srgbClr val="FFFFFF"/>
+                </a:solidFill>
+                <a:latin typeface="+mj-lt"/>
+                <a:ea typeface="+mj-ea"/>
+                <a:cs typeface="+mj-cs"/>
+              </a:rPr>
+              <a:t>설치</a:t>
+            </a:r>
+          </a:p>
+        </p:txBody>
+      </p:sp>
+      <p:sp>
+        <p:nvSpPr>
+          <p:cNvPr id="6" name="TextBox 5">
+            <a:extLst>
+              <a:ext uri="{FF2B5EF4-FFF2-40B4-BE49-F238E27FC236}">
+                <a16:creationId xmlns:a16="http://schemas.microsoft.com/office/drawing/2014/main" id="{8A05F507-3C5C-A90E-89B2-4C994AEAB078}"/>
+              </a:ext>
+            </a:extLst>
+          </p:cNvPr>
+          <p:cNvSpPr txBox="1"/>
+          <p:nvPr/>
+        </p:nvSpPr>
+        <p:spPr>
+          <a:xfrm>
+            <a:off x="2895601" y="1900826"/>
+            <a:ext cx="6396204" cy="662542"/>
+          </a:xfrm>
+          <a:prstGeom prst="rect">
+            <a:avLst/>
+          </a:prstGeom>
+        </p:spPr>
+        <p:txBody>
+          <a:bodyPr vert="horz" lIns="91440" tIns="45720" rIns="91440" bIns="45720" rtlCol="0" anchor="ctr">
+            <a:normAutofit/>
+          </a:bodyPr>
+          <a:lstStyle/>
+          <a:p>
+            <a:pPr algn="ctr" latinLnBrk="0">
+              <a:lnSpc>
+                <a:spcPct val="90000"/>
+              </a:lnSpc>
+              <a:spcBef>
+                <a:spcPts val="1000"/>
+              </a:spcBef>
+            </a:pPr>
+            <a:r>
+              <a:rPr lang="en-US" altLang="ko-KR" sz="2400" kern="1200">
+                <a:solidFill>
+                  <a:srgbClr val="FFFFFF"/>
+                </a:solidFill>
+                <a:latin typeface="+mn-lt"/>
+                <a:ea typeface="+mn-ea"/>
+                <a:cs typeface="+mn-cs"/>
+              </a:rPr>
+              <a:t>WGLEW(</a:t>
+            </a:r>
+            <a:r>
+              <a:rPr lang="ko-KR" altLang="en-US" sz="2400" kern="1200">
+                <a:solidFill>
+                  <a:srgbClr val="FFFFFF"/>
+                </a:solidFill>
+                <a:latin typeface="+mn-lt"/>
+                <a:ea typeface="+mn-ea"/>
+                <a:cs typeface="+mn-cs"/>
+              </a:rPr>
+              <a:t>위글루</a:t>
+            </a:r>
+            <a:r>
+              <a:rPr lang="en-US" altLang="ko-KR" sz="2400" kern="1200">
+                <a:solidFill>
+                  <a:srgbClr val="FFFFFF"/>
+                </a:solidFill>
+                <a:latin typeface="+mn-lt"/>
+                <a:ea typeface="+mn-ea"/>
+                <a:cs typeface="+mn-cs"/>
+              </a:rPr>
+              <a:t>)</a:t>
+            </a:r>
+            <a:r>
+              <a:rPr lang="ko-KR" altLang="en-US" sz="2400" kern="1200">
+                <a:solidFill>
+                  <a:srgbClr val="FFFFFF"/>
+                </a:solidFill>
+                <a:latin typeface="+mn-lt"/>
+                <a:ea typeface="+mn-ea"/>
+                <a:cs typeface="+mn-cs"/>
+              </a:rPr>
+              <a:t>도 함께 설치됨</a:t>
+            </a:r>
+          </a:p>
+        </p:txBody>
+      </p:sp>
+      <p:sp>
+        <p:nvSpPr>
+          <p:cNvPr id="15" name="sketch line">
+            <a:extLst>
+              <a:ext uri="{FF2B5EF4-FFF2-40B4-BE49-F238E27FC236}">
+                <a16:creationId xmlns:a16="http://schemas.microsoft.com/office/drawing/2014/main" id="{56037404-66BD-46B5-9323-1B531319671A}"/>
+              </a:ext>
+              <a:ext uri="{C183D7F6-B498-43B3-948B-1728B52AA6E4}">
+                <adec:decorative xmlns:adec="http://schemas.microsoft.com/office/drawing/2017/decorative" val="1"/>
+              </a:ext>
+            </a:extLst>
+          </p:cNvPr>
+          <p:cNvSpPr>
+            <a:spLocks noGrp="1" noRot="1" noChangeAspect="1" noMove="1" noResize="1" noEditPoints="1" noAdjustHandles="1" noChangeArrowheads="1" noChangeShapeType="1" noTextEdit="1"/>
+          </p:cNvSpPr>
+          <p:nvPr>
+            <p:extLst>
+              <p:ext uri="{386F3935-93C4-4BCD-93E2-E3B085C9AB24}">
+                <p16:designElem xmlns:p16="http://schemas.microsoft.com/office/powerpoint/2015/main" val="1"/>
+              </p:ext>
+            </p:extLst>
+          </p:nvPr>
+        </p:nvSpPr>
+        <p:spPr>
+          <a:xfrm>
+            <a:off x="3974206" y="1753266"/>
+            <a:ext cx="4243589" cy="18288"/>
+          </a:xfrm>
+          <a:custGeom>
+            <a:avLst/>
+            <a:gdLst>
+              <a:gd name="connsiteX0" fmla="*/ 0 w 4243589"/>
+              <a:gd name="connsiteY0" fmla="*/ 0 h 18288"/>
+              <a:gd name="connsiteX1" fmla="*/ 563791 w 4243589"/>
+              <a:gd name="connsiteY1" fmla="*/ 0 h 18288"/>
+              <a:gd name="connsiteX2" fmla="*/ 1042710 w 4243589"/>
+              <a:gd name="connsiteY2" fmla="*/ 0 h 18288"/>
+              <a:gd name="connsiteX3" fmla="*/ 1564066 w 4243589"/>
+              <a:gd name="connsiteY3" fmla="*/ 0 h 18288"/>
+              <a:gd name="connsiteX4" fmla="*/ 2212729 w 4243589"/>
+              <a:gd name="connsiteY4" fmla="*/ 0 h 18288"/>
+              <a:gd name="connsiteX5" fmla="*/ 2776520 w 4243589"/>
+              <a:gd name="connsiteY5" fmla="*/ 0 h 18288"/>
+              <a:gd name="connsiteX6" fmla="*/ 3297875 w 4243589"/>
+              <a:gd name="connsiteY6" fmla="*/ 0 h 18288"/>
+              <a:gd name="connsiteX7" fmla="*/ 4243589 w 4243589"/>
+              <a:gd name="connsiteY7" fmla="*/ 0 h 18288"/>
+              <a:gd name="connsiteX8" fmla="*/ 4243589 w 4243589"/>
+              <a:gd name="connsiteY8" fmla="*/ 18288 h 18288"/>
+              <a:gd name="connsiteX9" fmla="*/ 3637362 w 4243589"/>
+              <a:gd name="connsiteY9" fmla="*/ 18288 h 18288"/>
+              <a:gd name="connsiteX10" fmla="*/ 3116007 w 4243589"/>
+              <a:gd name="connsiteY10" fmla="*/ 18288 h 18288"/>
+              <a:gd name="connsiteX11" fmla="*/ 2424908 w 4243589"/>
+              <a:gd name="connsiteY11" fmla="*/ 18288 h 18288"/>
+              <a:gd name="connsiteX12" fmla="*/ 1861117 w 4243589"/>
+              <a:gd name="connsiteY12" fmla="*/ 18288 h 18288"/>
+              <a:gd name="connsiteX13" fmla="*/ 1382198 w 4243589"/>
+              <a:gd name="connsiteY13" fmla="*/ 18288 h 18288"/>
+              <a:gd name="connsiteX14" fmla="*/ 733535 w 4243589"/>
+              <a:gd name="connsiteY14" fmla="*/ 18288 h 18288"/>
+              <a:gd name="connsiteX15" fmla="*/ 0 w 4243589"/>
+              <a:gd name="connsiteY15" fmla="*/ 18288 h 18288"/>
+              <a:gd name="connsiteX16" fmla="*/ 0 w 4243589"/>
+              <a:gd name="connsiteY16" fmla="*/ 0 h 18288"/>
+            </a:gdLst>
+            <a:ahLst/>
+            <a:cxnLst>
+              <a:cxn ang="0">
+                <a:pos x="connsiteX0" y="connsiteY0"/>
+              </a:cxn>
+              <a:cxn ang="0">
+                <a:pos x="connsiteX1" y="connsiteY1"/>
+              </a:cxn>
+              <a:cxn ang="0">
+                <a:pos x="connsiteX2" y="connsiteY2"/>
+              </a:cxn>
+              <a:cxn ang="0">
+                <a:pos x="connsiteX3" y="connsiteY3"/>
+              </a:cxn>
+              <a:cxn ang="0">
+                <a:pos x="connsiteX4" y="connsiteY4"/>
+              </a:cxn>
+              <a:cxn ang="0">
+                <a:pos x="connsiteX5" y="connsiteY5"/>
+              </a:cxn>
+              <a:cxn ang="0">
+                <a:pos x="connsiteX6" y="connsiteY6"/>
+              </a:cxn>
+              <a:cxn ang="0">
+                <a:pos x="connsiteX7" y="connsiteY7"/>
+              </a:cxn>
+              <a:cxn ang="0">
+                <a:pos x="connsiteX8" y="connsiteY8"/>
+              </a:cxn>
+              <a:cxn ang="0">
+                <a:pos x="connsiteX9" y="connsiteY9"/>
+              </a:cxn>
+              <a:cxn ang="0">
+                <a:pos x="connsiteX10" y="connsiteY10"/>
+              </a:cxn>
+              <a:cxn ang="0">
+                <a:pos x="connsiteX11" y="connsiteY11"/>
+              </a:cxn>
+              <a:cxn ang="0">
+                <a:pos x="connsiteX12" y="connsiteY12"/>
+              </a:cxn>
+              <a:cxn ang="0">
+                <a:pos x="connsiteX13" y="connsiteY13"/>
+              </a:cxn>
+              <a:cxn ang="0">
+                <a:pos x="connsiteX14" y="connsiteY14"/>
+              </a:cxn>
+              <a:cxn ang="0">
+                <a:pos x="connsiteX15" y="connsiteY15"/>
+              </a:cxn>
+              <a:cxn ang="0">
+                <a:pos x="connsiteX16" y="connsiteY16"/>
+              </a:cxn>
+            </a:cxnLst>
+            <a:rect l="l" t="t" r="r" b="b"/>
+            <a:pathLst>
+              <a:path w="4243589" h="18288" fill="none" extrusionOk="0">
+                <a:moveTo>
+                  <a:pt x="0" y="0"/>
+                </a:moveTo>
+                <a:cubicBezTo>
+                  <a:pt x="157351" y="-15653"/>
+                  <a:pt x="378877" y="-5828"/>
+                  <a:pt x="563791" y="0"/>
+                </a:cubicBezTo>
+                <a:cubicBezTo>
+                  <a:pt x="748705" y="5828"/>
+                  <a:pt x="905659" y="-5525"/>
+                  <a:pt x="1042710" y="0"/>
+                </a:cubicBezTo>
+                <a:cubicBezTo>
+                  <a:pt x="1179761" y="5525"/>
+                  <a:pt x="1356845" y="-21288"/>
+                  <a:pt x="1564066" y="0"/>
+                </a:cubicBezTo>
+                <a:cubicBezTo>
+                  <a:pt x="1771287" y="21288"/>
+                  <a:pt x="1912099" y="25135"/>
+                  <a:pt x="2212729" y="0"/>
+                </a:cubicBezTo>
+                <a:cubicBezTo>
+                  <a:pt x="2513359" y="-25135"/>
+                  <a:pt x="2514918" y="-27119"/>
+                  <a:pt x="2776520" y="0"/>
+                </a:cubicBezTo>
+                <a:cubicBezTo>
+                  <a:pt x="3038122" y="27119"/>
+                  <a:pt x="3178771" y="18116"/>
+                  <a:pt x="3297875" y="0"/>
+                </a:cubicBezTo>
+                <a:cubicBezTo>
+                  <a:pt x="3416980" y="-18116"/>
+                  <a:pt x="4012240" y="-40869"/>
+                  <a:pt x="4243589" y="0"/>
+                </a:cubicBezTo>
+                <a:cubicBezTo>
+                  <a:pt x="4243987" y="7429"/>
+                  <a:pt x="4243569" y="10822"/>
+                  <a:pt x="4243589" y="18288"/>
+                </a:cubicBezTo>
+                <a:cubicBezTo>
+                  <a:pt x="4112949" y="-2855"/>
+                  <a:pt x="3928037" y="1831"/>
+                  <a:pt x="3637362" y="18288"/>
+                </a:cubicBezTo>
+                <a:cubicBezTo>
+                  <a:pt x="3346687" y="34745"/>
+                  <a:pt x="3254446" y="26669"/>
+                  <a:pt x="3116007" y="18288"/>
+                </a:cubicBezTo>
+                <a:cubicBezTo>
+                  <a:pt x="2977569" y="9907"/>
+                  <a:pt x="2620228" y="28873"/>
+                  <a:pt x="2424908" y="18288"/>
+                </a:cubicBezTo>
+                <a:cubicBezTo>
+                  <a:pt x="2229588" y="7703"/>
+                  <a:pt x="2088287" y="-3854"/>
+                  <a:pt x="1861117" y="18288"/>
+                </a:cubicBezTo>
+                <a:cubicBezTo>
+                  <a:pt x="1633947" y="40430"/>
+                  <a:pt x="1502447" y="-871"/>
+                  <a:pt x="1382198" y="18288"/>
+                </a:cubicBezTo>
+                <a:cubicBezTo>
+                  <a:pt x="1261949" y="37447"/>
+                  <a:pt x="1045440" y="28353"/>
+                  <a:pt x="733535" y="18288"/>
+                </a:cubicBezTo>
+                <a:cubicBezTo>
+                  <a:pt x="421630" y="8223"/>
+                  <a:pt x="341257" y="-18359"/>
+                  <a:pt x="0" y="18288"/>
+                </a:cubicBezTo>
+                <a:cubicBezTo>
+                  <a:pt x="-591" y="13205"/>
+                  <a:pt x="-663" y="6329"/>
+                  <a:pt x="0" y="0"/>
+                </a:cubicBezTo>
+                <a:close/>
+              </a:path>
+              <a:path w="4243589" h="18288" stroke="0" extrusionOk="0">
+                <a:moveTo>
+                  <a:pt x="0" y="0"/>
+                </a:moveTo>
+                <a:cubicBezTo>
+                  <a:pt x="128164" y="17204"/>
+                  <a:pt x="312653" y="1129"/>
+                  <a:pt x="563791" y="0"/>
+                </a:cubicBezTo>
+                <a:cubicBezTo>
+                  <a:pt x="814929" y="-1129"/>
+                  <a:pt x="837271" y="8503"/>
+                  <a:pt x="1042710" y="0"/>
+                </a:cubicBezTo>
+                <a:cubicBezTo>
+                  <a:pt x="1248149" y="-8503"/>
+                  <a:pt x="1588432" y="-28862"/>
+                  <a:pt x="1733809" y="0"/>
+                </a:cubicBezTo>
+                <a:cubicBezTo>
+                  <a:pt x="1879186" y="28862"/>
+                  <a:pt x="2052815" y="5974"/>
+                  <a:pt x="2297600" y="0"/>
+                </a:cubicBezTo>
+                <a:cubicBezTo>
+                  <a:pt x="2542385" y="-5974"/>
+                  <a:pt x="2699960" y="-23550"/>
+                  <a:pt x="2861391" y="0"/>
+                </a:cubicBezTo>
+                <a:cubicBezTo>
+                  <a:pt x="3022822" y="23550"/>
+                  <a:pt x="3390411" y="25272"/>
+                  <a:pt x="3552490" y="0"/>
+                </a:cubicBezTo>
+                <a:cubicBezTo>
+                  <a:pt x="3714569" y="-25272"/>
+                  <a:pt x="3950585" y="-31327"/>
+                  <a:pt x="4243589" y="0"/>
+                </a:cubicBezTo>
+                <a:cubicBezTo>
+                  <a:pt x="4242703" y="5429"/>
+                  <a:pt x="4244410" y="14046"/>
+                  <a:pt x="4243589" y="18288"/>
+                </a:cubicBezTo>
+                <a:cubicBezTo>
+                  <a:pt x="4130424" y="-1240"/>
+                  <a:pt x="3932803" y="42249"/>
+                  <a:pt x="3722234" y="18288"/>
+                </a:cubicBezTo>
+                <a:cubicBezTo>
+                  <a:pt x="3511665" y="-5673"/>
+                  <a:pt x="3269903" y="45994"/>
+                  <a:pt x="3116007" y="18288"/>
+                </a:cubicBezTo>
+                <a:cubicBezTo>
+                  <a:pt x="2962111" y="-9418"/>
+                  <a:pt x="2744280" y="23224"/>
+                  <a:pt x="2509780" y="18288"/>
+                </a:cubicBezTo>
+                <a:cubicBezTo>
+                  <a:pt x="2275280" y="13352"/>
+                  <a:pt x="2066059" y="43664"/>
+                  <a:pt x="1945989" y="18288"/>
+                </a:cubicBezTo>
+                <a:cubicBezTo>
+                  <a:pt x="1825919" y="-7088"/>
+                  <a:pt x="1407329" y="12616"/>
+                  <a:pt x="1254890" y="18288"/>
+                </a:cubicBezTo>
+                <a:cubicBezTo>
+                  <a:pt x="1102451" y="23960"/>
+                  <a:pt x="837950" y="31673"/>
+                  <a:pt x="563791" y="18288"/>
+                </a:cubicBezTo>
+                <a:cubicBezTo>
+                  <a:pt x="289632" y="4903"/>
+                  <a:pt x="132768" y="7105"/>
+                  <a:pt x="0" y="18288"/>
+                </a:cubicBezTo>
+                <a:cubicBezTo>
+                  <a:pt x="668" y="13665"/>
+                  <a:pt x="578" y="5675"/>
+                  <a:pt x="0" y="0"/>
+                </a:cubicBezTo>
+                <a:close/>
+              </a:path>
+            </a:pathLst>
+          </a:custGeom>
+          <a:solidFill>
+            <a:srgbClr val="FFFFFF"/>
+          </a:solidFill>
+          <a:ln w="38100" cap="rnd">
+            <a:solidFill>
+              <a:srgbClr val="FFFFFF"/>
+            </a:solidFill>
+            <a:round/>
+            <a:extLst>
+              <a:ext uri="{C807C97D-BFC1-408E-A445-0C87EB9F89A2}">
+                <ask:lineSketchStyleProps xmlns:ask="http://schemas.microsoft.com/office/drawing/2018/sketchyshapes" sd="1219033472">
+                  <a:prstGeom prst="rect">
+                    <a:avLst/>
+                  </a:prstGeom>
+                  <ask:type>
+                    <ask:lineSketchFreehand/>
+                  </ask:type>
+                </ask:lineSketchStyleProps>
+              </a:ext>
+            </a:extLst>
+          </a:ln>
+        </p:spPr>
+        <p:style>
+          <a:lnRef idx="2">
+            <a:schemeClr val="accent1">
+              <a:shade val="50000"/>
+            </a:schemeClr>
+          </a:lnRef>
+          <a:fillRef idx="1">
+            <a:schemeClr val="accent1"/>
+          </a:fillRef>
+          <a:effectRef idx="0">
+            <a:schemeClr val="accent1"/>
+          </a:effectRef>
+          <a:fontRef idx="minor">
+            <a:schemeClr val="lt1"/>
+          </a:fontRef>
+        </p:style>
+        <p:txBody>
+          <a:bodyPr rtlCol="0" anchor="ctr"/>
+          <a:lstStyle/>
+          <a:p>
+            <a:pPr algn="ctr"/>
+            <a:endParaRPr lang="en-US"/>
+          </a:p>
+        </p:txBody>
+      </p:sp>
+      <p:pic>
+        <p:nvPicPr>
+          <p:cNvPr id="5" name="그림 4">
+            <a:extLst>
+              <a:ext uri="{FF2B5EF4-FFF2-40B4-BE49-F238E27FC236}">
+                <a16:creationId xmlns:a16="http://schemas.microsoft.com/office/drawing/2014/main" id="{12CE823A-A2F1-0996-B697-5A0E959AEC86}"/>
+              </a:ext>
+            </a:extLst>
+          </p:cNvPr>
+          <p:cNvPicPr>
+            <a:picLocks noChangeAspect="1"/>
+          </p:cNvPicPr>
+          <p:nvPr/>
+        </p:nvPicPr>
+        <p:blipFill>
+          <a:blip r:embed="rId2"/>
+          <a:stretch>
+            <a:fillRect/>
+          </a:stretch>
+        </p:blipFill>
+        <p:spPr>
+          <a:xfrm>
+            <a:off x="1035177" y="3299346"/>
+            <a:ext cx="10118598" cy="2554945"/>
+          </a:xfrm>
+          <a:prstGeom prst="rect">
+            <a:avLst/>
+          </a:prstGeom>
+        </p:spPr>
+      </p:pic>
+    </p:spTree>
+    <p:extLst>
+      <p:ext uri="{BB962C8B-B14F-4D97-AF65-F5344CB8AC3E}">
+        <p14:creationId xmlns:p14="http://schemas.microsoft.com/office/powerpoint/2010/main" val="705894484"/>
+      </p:ext>
+    </p:extLst>
+  </p:cSld>
+  <p:clrMapOvr>
+    <a:masterClrMapping/>
+  </p:clrMapOvr>
+</p:sld>
+</file>
+
 <file path=ppt/theme/theme1.xml><?xml version="1.0" encoding="utf-8"?>
 <a:theme xmlns:a="http://schemas.openxmlformats.org/drawingml/2006/main" name="Office 테마">
   <a:themeElements>

--- a/OpenGL 개발 환경 설정.pptx
+++ b/OpenGL 개발 환경 설정.pptx
@@ -9,6 +9,7 @@
     <p:sldId id="258" r:id="rId3"/>
     <p:sldId id="260" r:id="rId4"/>
     <p:sldId id="261" r:id="rId5"/>
+    <p:sldId id="262" r:id="rId6"/>
   </p:sldIdLst>
   <p:sldSz cx="12192000" cy="6858000"/>
   <p:notesSz cx="6858000" cy="9144000"/>
@@ -5144,6 +5145,1155 @@
 </p:sld>
 </file>
 
+<file path=ppt/slides/slide5.xml><?xml version="1.0" encoding="utf-8"?>
+<p:sld xmlns:a="http://schemas.openxmlformats.org/drawingml/2006/main" xmlns:r="http://schemas.openxmlformats.org/officeDocument/2006/relationships" xmlns:p="http://schemas.openxmlformats.org/presentationml/2006/main">
+  <p:cSld>
+    <p:bg>
+      <p:bgPr>
+        <a:solidFill>
+          <a:schemeClr val="bg1"/>
+        </a:solidFill>
+        <a:effectLst/>
+      </p:bgPr>
+    </p:bg>
+    <p:spTree>
+      <p:nvGrpSpPr>
+        <p:cNvPr id="1" name=""/>
+        <p:cNvGrpSpPr/>
+        <p:nvPr/>
+      </p:nvGrpSpPr>
+      <p:grpSpPr>
+        <a:xfrm>
+          <a:off x="0" y="0"/>
+          <a:ext cx="0" cy="0"/>
+          <a:chOff x="0" y="0"/>
+          <a:chExt cx="0" cy="0"/>
+        </a:xfrm>
+      </p:grpSpPr>
+      <p:sp useBgFill="1">
+        <p:nvSpPr>
+          <p:cNvPr id="10" name="Rectangle 9">
+            <a:extLst>
+              <a:ext uri="{FF2B5EF4-FFF2-40B4-BE49-F238E27FC236}">
+                <a16:creationId xmlns:a16="http://schemas.microsoft.com/office/drawing/2014/main" id="{76906711-0AFB-47DD-A4B6-4E94B38B8C91}"/>
+              </a:ext>
+              <a:ext uri="{C183D7F6-B498-43B3-948B-1728B52AA6E4}">
+                <adec:decorative xmlns:adec="http://schemas.microsoft.com/office/drawing/2017/decorative" val="1"/>
+              </a:ext>
+            </a:extLst>
+          </p:cNvPr>
+          <p:cNvSpPr>
+            <a:spLocks noGrp="1" noRot="1" noChangeAspect="1" noMove="1" noResize="1" noEditPoints="1" noAdjustHandles="1" noChangeArrowheads="1" noChangeShapeType="1" noTextEdit="1"/>
+          </p:cNvSpPr>
+          <p:nvPr>
+            <p:extLst>
+              <p:ext uri="{386F3935-93C4-4BCD-93E2-E3B085C9AB24}">
+                <p16:designElem xmlns:p16="http://schemas.microsoft.com/office/powerpoint/2015/main" val="1"/>
+              </p:ext>
+            </p:extLst>
+          </p:nvPr>
+        </p:nvSpPr>
+        <p:spPr>
+          <a:xfrm>
+            <a:off x="0" y="0"/>
+            <a:ext cx="12192000" cy="6858000"/>
+          </a:xfrm>
+          <a:prstGeom prst="rect">
+            <a:avLst/>
+          </a:prstGeom>
+          <a:ln>
+            <a:noFill/>
+          </a:ln>
+        </p:spPr>
+        <p:style>
+          <a:lnRef idx="2">
+            <a:schemeClr val="accent1">
+              <a:shade val="50000"/>
+            </a:schemeClr>
+          </a:lnRef>
+          <a:fillRef idx="1">
+            <a:schemeClr val="accent1"/>
+          </a:fillRef>
+          <a:effectRef idx="0">
+            <a:schemeClr val="accent1"/>
+          </a:effectRef>
+          <a:fontRef idx="minor">
+            <a:schemeClr val="lt1"/>
+          </a:fontRef>
+        </p:style>
+        <p:txBody>
+          <a:bodyPr rtlCol="0" anchor="ctr"/>
+          <a:lstStyle/>
+          <a:p>
+            <a:pPr algn="ctr"/>
+            <a:endParaRPr lang="en-US"/>
+          </a:p>
+        </p:txBody>
+      </p:sp>
+      <p:sp>
+        <p:nvSpPr>
+          <p:cNvPr id="12" name="Freeform: Shape 11">
+            <a:extLst>
+              <a:ext uri="{FF2B5EF4-FFF2-40B4-BE49-F238E27FC236}">
+                <a16:creationId xmlns:a16="http://schemas.microsoft.com/office/drawing/2014/main" id="{AA91F649-894C-41F6-A21D-3D1AC558E934}"/>
+              </a:ext>
+              <a:ext uri="{C183D7F6-B498-43B3-948B-1728B52AA6E4}">
+                <adec:decorative xmlns:adec="http://schemas.microsoft.com/office/drawing/2017/decorative" val="1"/>
+              </a:ext>
+            </a:extLst>
+          </p:cNvPr>
+          <p:cNvSpPr>
+            <a:spLocks noGrp="1" noRot="1" noChangeAspect="1" noMove="1" noResize="1" noEditPoints="1" noAdjustHandles="1" noChangeArrowheads="1" noChangeShapeType="1" noTextEdit="1"/>
+          </p:cNvSpPr>
+          <p:nvPr>
+            <p:extLst>
+              <p:ext uri="{386F3935-93C4-4BCD-93E2-E3B085C9AB24}">
+                <p16:designElem xmlns:p16="http://schemas.microsoft.com/office/powerpoint/2015/main" val="1"/>
+              </p:ext>
+            </p:extLst>
+          </p:nvPr>
+        </p:nvSpPr>
+        <p:spPr>
+          <a:xfrm>
+            <a:off x="0" y="0"/>
+            <a:ext cx="12192000" cy="2877832"/>
+          </a:xfrm>
+          <a:custGeom>
+            <a:avLst/>
+            <a:gdLst>
+              <a:gd name="connsiteX0" fmla="*/ 6789701 w 12192000"/>
+              <a:gd name="connsiteY0" fmla="*/ 2809623 h 2877832"/>
+              <a:gd name="connsiteX1" fmla="*/ 6788702 w 12192000"/>
+              <a:gd name="connsiteY1" fmla="*/ 2809701 h 2877832"/>
+              <a:gd name="connsiteX2" fmla="*/ 6788476 w 12192000"/>
+              <a:gd name="connsiteY2" fmla="*/ 2810235 h 2877832"/>
+              <a:gd name="connsiteX3" fmla="*/ 0 w 12192000"/>
+              <a:gd name="connsiteY3" fmla="*/ 0 h 2877832"/>
+              <a:gd name="connsiteX4" fmla="*/ 12192000 w 12192000"/>
+              <a:gd name="connsiteY4" fmla="*/ 0 h 2877832"/>
+              <a:gd name="connsiteX5" fmla="*/ 12192000 w 12192000"/>
+              <a:gd name="connsiteY5" fmla="*/ 1915388 h 2877832"/>
+              <a:gd name="connsiteX6" fmla="*/ 12061096 w 12192000"/>
+              <a:gd name="connsiteY6" fmla="*/ 1954428 h 2877832"/>
+              <a:gd name="connsiteX7" fmla="*/ 11676800 w 12192000"/>
+              <a:gd name="connsiteY7" fmla="*/ 2058003 h 2877832"/>
+              <a:gd name="connsiteX8" fmla="*/ 10425355 w 12192000"/>
+              <a:gd name="connsiteY8" fmla="*/ 2341542 h 2877832"/>
+              <a:gd name="connsiteX9" fmla="*/ 9424022 w 12192000"/>
+              <a:gd name="connsiteY9" fmla="*/ 2516704 h 2877832"/>
+              <a:gd name="connsiteX10" fmla="*/ 8458419 w 12192000"/>
+              <a:gd name="connsiteY10" fmla="*/ 2650405 h 2877832"/>
+              <a:gd name="connsiteX11" fmla="*/ 7715970 w 12192000"/>
+              <a:gd name="connsiteY11" fmla="*/ 2730352 h 2877832"/>
+              <a:gd name="connsiteX12" fmla="*/ 6951716 w 12192000"/>
+              <a:gd name="connsiteY12" fmla="*/ 2796132 h 2877832"/>
+              <a:gd name="connsiteX13" fmla="*/ 6936303 w 12192000"/>
+              <a:gd name="connsiteY13" fmla="*/ 2798203 h 2877832"/>
+              <a:gd name="connsiteX14" fmla="*/ 6790448 w 12192000"/>
+              <a:gd name="connsiteY14" fmla="*/ 2809564 h 2877832"/>
+              <a:gd name="connsiteX15" fmla="*/ 6799941 w 12192000"/>
+              <a:gd name="connsiteY15" fmla="*/ 2811384 h 2877832"/>
+              <a:gd name="connsiteX16" fmla="*/ 6835432 w 12192000"/>
+              <a:gd name="connsiteY16" fmla="*/ 2809677 h 2877832"/>
+              <a:gd name="connsiteX17" fmla="*/ 6884003 w 12192000"/>
+              <a:gd name="connsiteY17" fmla="*/ 2806699 h 2877832"/>
+              <a:gd name="connsiteX18" fmla="*/ 7578771 w 12192000"/>
+              <a:gd name="connsiteY18" fmla="*/ 2774172 h 2877832"/>
+              <a:gd name="connsiteX19" fmla="*/ 8623845 w 12192000"/>
+              <a:gd name="connsiteY19" fmla="*/ 2687275 h 2877832"/>
+              <a:gd name="connsiteX20" fmla="*/ 9479970 w 12192000"/>
+              <a:gd name="connsiteY20" fmla="*/ 2583369 h 2877832"/>
+              <a:gd name="connsiteX21" fmla="*/ 10629308 w 12192000"/>
+              <a:gd name="connsiteY21" fmla="*/ 2389212 h 2877832"/>
+              <a:gd name="connsiteX22" fmla="*/ 11998498 w 12192000"/>
+              <a:gd name="connsiteY22" fmla="*/ 2063218 h 2877832"/>
+              <a:gd name="connsiteX23" fmla="*/ 12192000 w 12192000"/>
+              <a:gd name="connsiteY23" fmla="*/ 2006219 h 2877832"/>
+              <a:gd name="connsiteX24" fmla="*/ 12192000 w 12192000"/>
+              <a:gd name="connsiteY24" fmla="*/ 2060956 h 2877832"/>
+              <a:gd name="connsiteX25" fmla="*/ 11829257 w 12192000"/>
+              <a:gd name="connsiteY25" fmla="*/ 2166255 h 2877832"/>
+              <a:gd name="connsiteX26" fmla="*/ 10939183 w 12192000"/>
+              <a:gd name="connsiteY26" fmla="*/ 2380770 h 2877832"/>
+              <a:gd name="connsiteX27" fmla="*/ 9985530 w 12192000"/>
+              <a:gd name="connsiteY27" fmla="*/ 2560775 h 2877832"/>
+              <a:gd name="connsiteX28" fmla="*/ 9186882 w 12192000"/>
+              <a:gd name="connsiteY28" fmla="*/ 2676722 h 2877832"/>
+              <a:gd name="connsiteX29" fmla="*/ 8578198 w 12192000"/>
+              <a:gd name="connsiteY29" fmla="*/ 2746241 h 2877832"/>
+              <a:gd name="connsiteX30" fmla="*/ 7864358 w 12192000"/>
+              <a:gd name="connsiteY30" fmla="*/ 2807692 h 2877832"/>
+              <a:gd name="connsiteX31" fmla="*/ 6935502 w 12192000"/>
+              <a:gd name="connsiteY31" fmla="*/ 2859086 h 2877832"/>
+              <a:gd name="connsiteX32" fmla="*/ 6477750 w 12192000"/>
+              <a:gd name="connsiteY32" fmla="*/ 2872989 h 2877832"/>
+              <a:gd name="connsiteX33" fmla="*/ 6362294 w 12192000"/>
+              <a:gd name="connsiteY33" fmla="*/ 2877832 h 2877832"/>
+              <a:gd name="connsiteX34" fmla="*/ 6057129 w 12192000"/>
+              <a:gd name="connsiteY34" fmla="*/ 2877832 h 2877832"/>
+              <a:gd name="connsiteX35" fmla="*/ 5977784 w 12192000"/>
+              <a:gd name="connsiteY35" fmla="*/ 2873238 h 2877832"/>
+              <a:gd name="connsiteX36" fmla="*/ 5265087 w 12192000"/>
+              <a:gd name="connsiteY36" fmla="*/ 2836989 h 2877832"/>
+              <a:gd name="connsiteX37" fmla="*/ 4346277 w 12192000"/>
+              <a:gd name="connsiteY37" fmla="*/ 2774919 h 2877832"/>
+              <a:gd name="connsiteX38" fmla="*/ 3373045 w 12192000"/>
+              <a:gd name="connsiteY38" fmla="*/ 2676350 h 2877832"/>
+              <a:gd name="connsiteX39" fmla="*/ 2362173 w 12192000"/>
+              <a:gd name="connsiteY39" fmla="*/ 2557423 h 2877832"/>
+              <a:gd name="connsiteX40" fmla="*/ 1233178 w 12192000"/>
+              <a:gd name="connsiteY40" fmla="*/ 2384247 h 2877832"/>
+              <a:gd name="connsiteX41" fmla="*/ 68500 w 12192000"/>
+              <a:gd name="connsiteY41" fmla="*/ 2144540 h 2877832"/>
+              <a:gd name="connsiteX42" fmla="*/ 0 w 12192000"/>
+              <a:gd name="connsiteY42" fmla="*/ 2127185 h 2877832"/>
+              <a:gd name="connsiteX43" fmla="*/ 0 w 12192000"/>
+              <a:gd name="connsiteY43" fmla="*/ 2070696 h 2877832"/>
+              <a:gd name="connsiteX44" fmla="*/ 72441 w 12192000"/>
+              <a:gd name="connsiteY44" fmla="*/ 2089473 h 2877832"/>
+              <a:gd name="connsiteX45" fmla="*/ 600716 w 12192000"/>
+              <a:gd name="connsiteY45" fmla="*/ 2207843 h 2877832"/>
+              <a:gd name="connsiteX46" fmla="*/ 1769512 w 12192000"/>
+              <a:gd name="connsiteY46" fmla="*/ 2418011 h 2877832"/>
+              <a:gd name="connsiteX47" fmla="*/ 2613554 w 12192000"/>
+              <a:gd name="connsiteY47" fmla="*/ 2534953 h 2877832"/>
+              <a:gd name="connsiteX48" fmla="*/ 2581134 w 12192000"/>
+              <a:gd name="connsiteY48" fmla="*/ 2525022 h 2877832"/>
+              <a:gd name="connsiteX49" fmla="*/ 1112635 w 12192000"/>
+              <a:gd name="connsiteY49" fmla="*/ 2192325 h 2877832"/>
+              <a:gd name="connsiteX50" fmla="*/ 420412 w 12192000"/>
+              <a:gd name="connsiteY50" fmla="*/ 1992892 h 2877832"/>
+              <a:gd name="connsiteX51" fmla="*/ 0 w 12192000"/>
+              <a:gd name="connsiteY51" fmla="*/ 1853975 h 2877832"/>
+            </a:gdLst>
+            <a:ahLst/>
+            <a:cxnLst>
+              <a:cxn ang="0">
+                <a:pos x="connsiteX0" y="connsiteY0"/>
+              </a:cxn>
+              <a:cxn ang="0">
+                <a:pos x="connsiteX1" y="connsiteY1"/>
+              </a:cxn>
+              <a:cxn ang="0">
+                <a:pos x="connsiteX2" y="connsiteY2"/>
+              </a:cxn>
+              <a:cxn ang="0">
+                <a:pos x="connsiteX3" y="connsiteY3"/>
+              </a:cxn>
+              <a:cxn ang="0">
+                <a:pos x="connsiteX4" y="connsiteY4"/>
+              </a:cxn>
+              <a:cxn ang="0">
+                <a:pos x="connsiteX5" y="connsiteY5"/>
+              </a:cxn>
+              <a:cxn ang="0">
+                <a:pos x="connsiteX6" y="connsiteY6"/>
+              </a:cxn>
+              <a:cxn ang="0">
+                <a:pos x="connsiteX7" y="connsiteY7"/>
+              </a:cxn>
+              <a:cxn ang="0">
+                <a:pos x="connsiteX8" y="connsiteY8"/>
+              </a:cxn>
+              <a:cxn ang="0">
+                <a:pos x="connsiteX9" y="connsiteY9"/>
+              </a:cxn>
+              <a:cxn ang="0">
+                <a:pos x="connsiteX10" y="connsiteY10"/>
+              </a:cxn>
+              <a:cxn ang="0">
+                <a:pos x="connsiteX11" y="connsiteY11"/>
+              </a:cxn>
+              <a:cxn ang="0">
+                <a:pos x="connsiteX12" y="connsiteY12"/>
+              </a:cxn>
+              <a:cxn ang="0">
+                <a:pos x="connsiteX13" y="connsiteY13"/>
+              </a:cxn>
+              <a:cxn ang="0">
+                <a:pos x="connsiteX14" y="connsiteY14"/>
+              </a:cxn>
+              <a:cxn ang="0">
+                <a:pos x="connsiteX15" y="connsiteY15"/>
+              </a:cxn>
+              <a:cxn ang="0">
+                <a:pos x="connsiteX16" y="connsiteY16"/>
+              </a:cxn>
+              <a:cxn ang="0">
+                <a:pos x="connsiteX17" y="connsiteY17"/>
+              </a:cxn>
+              <a:cxn ang="0">
+                <a:pos x="connsiteX18" y="connsiteY18"/>
+              </a:cxn>
+              <a:cxn ang="0">
+                <a:pos x="connsiteX19" y="connsiteY19"/>
+              </a:cxn>
+              <a:cxn ang="0">
+                <a:pos x="connsiteX20" y="connsiteY20"/>
+              </a:cxn>
+              <a:cxn ang="0">
+                <a:pos x="connsiteX21" y="connsiteY21"/>
+              </a:cxn>
+              <a:cxn ang="0">
+                <a:pos x="connsiteX22" y="connsiteY22"/>
+              </a:cxn>
+              <a:cxn ang="0">
+                <a:pos x="connsiteX23" y="connsiteY23"/>
+              </a:cxn>
+              <a:cxn ang="0">
+                <a:pos x="connsiteX24" y="connsiteY24"/>
+              </a:cxn>
+              <a:cxn ang="0">
+                <a:pos x="connsiteX25" y="connsiteY25"/>
+              </a:cxn>
+              <a:cxn ang="0">
+                <a:pos x="connsiteX26" y="connsiteY26"/>
+              </a:cxn>
+              <a:cxn ang="0">
+                <a:pos x="connsiteX27" y="connsiteY27"/>
+              </a:cxn>
+              <a:cxn ang="0">
+                <a:pos x="connsiteX28" y="connsiteY28"/>
+              </a:cxn>
+              <a:cxn ang="0">
+                <a:pos x="connsiteX29" y="connsiteY29"/>
+              </a:cxn>
+              <a:cxn ang="0">
+                <a:pos x="connsiteX30" y="connsiteY30"/>
+              </a:cxn>
+              <a:cxn ang="0">
+                <a:pos x="connsiteX31" y="connsiteY31"/>
+              </a:cxn>
+              <a:cxn ang="0">
+                <a:pos x="connsiteX32" y="connsiteY32"/>
+              </a:cxn>
+              <a:cxn ang="0">
+                <a:pos x="connsiteX33" y="connsiteY33"/>
+              </a:cxn>
+              <a:cxn ang="0">
+                <a:pos x="connsiteX34" y="connsiteY34"/>
+              </a:cxn>
+              <a:cxn ang="0">
+                <a:pos x="connsiteX35" y="connsiteY35"/>
+              </a:cxn>
+              <a:cxn ang="0">
+                <a:pos x="connsiteX36" y="connsiteY36"/>
+              </a:cxn>
+              <a:cxn ang="0">
+                <a:pos x="connsiteX37" y="connsiteY37"/>
+              </a:cxn>
+              <a:cxn ang="0">
+                <a:pos x="connsiteX38" y="connsiteY38"/>
+              </a:cxn>
+              <a:cxn ang="0">
+                <a:pos x="connsiteX39" y="connsiteY39"/>
+              </a:cxn>
+              <a:cxn ang="0">
+                <a:pos x="connsiteX40" y="connsiteY40"/>
+              </a:cxn>
+              <a:cxn ang="0">
+                <a:pos x="connsiteX41" y="connsiteY41"/>
+              </a:cxn>
+              <a:cxn ang="0">
+                <a:pos x="connsiteX42" y="connsiteY42"/>
+              </a:cxn>
+              <a:cxn ang="0">
+                <a:pos x="connsiteX43" y="connsiteY43"/>
+              </a:cxn>
+              <a:cxn ang="0">
+                <a:pos x="connsiteX44" y="connsiteY44"/>
+              </a:cxn>
+              <a:cxn ang="0">
+                <a:pos x="connsiteX45" y="connsiteY45"/>
+              </a:cxn>
+              <a:cxn ang="0">
+                <a:pos x="connsiteX46" y="connsiteY46"/>
+              </a:cxn>
+              <a:cxn ang="0">
+                <a:pos x="connsiteX47" y="connsiteY47"/>
+              </a:cxn>
+              <a:cxn ang="0">
+                <a:pos x="connsiteX48" y="connsiteY48"/>
+              </a:cxn>
+              <a:cxn ang="0">
+                <a:pos x="connsiteX49" y="connsiteY49"/>
+              </a:cxn>
+              <a:cxn ang="0">
+                <a:pos x="connsiteX50" y="connsiteY50"/>
+              </a:cxn>
+              <a:cxn ang="0">
+                <a:pos x="connsiteX51" y="connsiteY51"/>
+              </a:cxn>
+            </a:cxnLst>
+            <a:rect l="l" t="t" r="r" b="b"/>
+            <a:pathLst>
+              <a:path w="12192000" h="2877832">
+                <a:moveTo>
+                  <a:pt x="6789701" y="2809623"/>
+                </a:moveTo>
+                <a:lnTo>
+                  <a:pt x="6788702" y="2809701"/>
+                </a:lnTo>
+                <a:lnTo>
+                  <a:pt x="6788476" y="2810235"/>
+                </a:lnTo>
+                <a:close/>
+                <a:moveTo>
+                  <a:pt x="0" y="0"/>
+                </a:moveTo>
+                <a:lnTo>
+                  <a:pt x="12192000" y="0"/>
+                </a:lnTo>
+                <a:lnTo>
+                  <a:pt x="12192000" y="1915388"/>
+                </a:lnTo>
+                <a:lnTo>
+                  <a:pt x="12061096" y="1954428"/>
+                </a:lnTo>
+                <a:cubicBezTo>
+                  <a:pt x="11933500" y="1990642"/>
+                  <a:pt x="11805390" y="2025171"/>
+                  <a:pt x="11676800" y="2058003"/>
+                </a:cubicBezTo>
+                <a:cubicBezTo>
+                  <a:pt x="11262789" y="2165510"/>
+                  <a:pt x="10845343" y="2259112"/>
+                  <a:pt x="10425355" y="2341542"/>
+                </a:cubicBezTo>
+                <a:cubicBezTo>
+                  <a:pt x="10092810" y="2406753"/>
+                  <a:pt x="9759033" y="2465150"/>
+                  <a:pt x="9424022" y="2516704"/>
+                </a:cubicBezTo>
+                <a:cubicBezTo>
+                  <a:pt x="9102997" y="2566361"/>
+                  <a:pt x="8781133" y="2610928"/>
+                  <a:pt x="8458419" y="2650405"/>
+                </a:cubicBezTo>
+                <a:cubicBezTo>
+                  <a:pt x="8211360" y="2680571"/>
+                  <a:pt x="7963792" y="2706144"/>
+                  <a:pt x="7715970" y="2730352"/>
+                </a:cubicBezTo>
+                <a:lnTo>
+                  <a:pt x="6951716" y="2796132"/>
+                </a:lnTo>
+                <a:lnTo>
+                  <a:pt x="6936303" y="2798203"/>
+                </a:lnTo>
+                <a:lnTo>
+                  <a:pt x="6790448" y="2809564"/>
+                </a:lnTo>
+                <a:lnTo>
+                  <a:pt x="6799941" y="2811384"/>
+                </a:lnTo>
+                <a:cubicBezTo>
+                  <a:pt x="6811623" y="2811850"/>
+                  <a:pt x="6823734" y="2809677"/>
+                  <a:pt x="6835432" y="2809677"/>
+                </a:cubicBezTo>
+                <a:cubicBezTo>
+                  <a:pt x="6851580" y="2809677"/>
+                  <a:pt x="6867729" y="2807070"/>
+                  <a:pt x="6884003" y="2806699"/>
+                </a:cubicBezTo>
+                <a:cubicBezTo>
+                  <a:pt x="7115805" y="2801237"/>
+                  <a:pt x="7347351" y="2789070"/>
+                  <a:pt x="7578771" y="2774172"/>
+                </a:cubicBezTo>
+                <a:cubicBezTo>
+                  <a:pt x="7927552" y="2751704"/>
+                  <a:pt x="8276080" y="2723525"/>
+                  <a:pt x="8623845" y="2687275"/>
+                </a:cubicBezTo>
+                <a:cubicBezTo>
+                  <a:pt x="8909939" y="2657977"/>
+                  <a:pt x="9195310" y="2623342"/>
+                  <a:pt x="9479970" y="2583369"/>
+                </a:cubicBezTo>
+                <a:cubicBezTo>
+                  <a:pt x="9864901" y="2528995"/>
+                  <a:pt x="10248014" y="2464281"/>
+                  <a:pt x="10629308" y="2389212"/>
+                </a:cubicBezTo>
+                <a:cubicBezTo>
+                  <a:pt x="11090114" y="2298092"/>
+                  <a:pt x="11546975" y="2190586"/>
+                  <a:pt x="11998498" y="2063218"/>
+                </a:cubicBezTo>
+                <a:lnTo>
+                  <a:pt x="12192000" y="2006219"/>
+                </a:lnTo>
+                <a:lnTo>
+                  <a:pt x="12192000" y="2060956"/>
+                </a:lnTo>
+                <a:lnTo>
+                  <a:pt x="11829257" y="2166255"/>
+                </a:lnTo>
+                <a:cubicBezTo>
+                  <a:pt x="11534769" y="2245952"/>
+                  <a:pt x="11238120" y="2316838"/>
+                  <a:pt x="10939183" y="2380770"/>
+                </a:cubicBezTo>
+                <a:cubicBezTo>
+                  <a:pt x="10622824" y="2448552"/>
+                  <a:pt x="10304941" y="2508549"/>
+                  <a:pt x="9985530" y="2560775"/>
+                </a:cubicBezTo>
+                <a:cubicBezTo>
+                  <a:pt x="9720036" y="2604224"/>
+                  <a:pt x="9453814" y="2642869"/>
+                  <a:pt x="9186882" y="2676722"/>
+                </a:cubicBezTo>
+                <a:cubicBezTo>
+                  <a:pt x="8984197" y="2702296"/>
+                  <a:pt x="8781514" y="2726379"/>
+                  <a:pt x="8578198" y="2746241"/>
+                </a:cubicBezTo>
+                <a:cubicBezTo>
+                  <a:pt x="8340547" y="2768961"/>
+                  <a:pt x="8102644" y="2790436"/>
+                  <a:pt x="7864358" y="2807692"/>
+                </a:cubicBezTo>
+                <a:cubicBezTo>
+                  <a:pt x="7554994" y="2830036"/>
+                  <a:pt x="7245502" y="2847914"/>
+                  <a:pt x="6935502" y="2859086"/>
+                </a:cubicBezTo>
+                <a:cubicBezTo>
+                  <a:pt x="6782917" y="2864549"/>
+                  <a:pt x="6630334" y="2868397"/>
+                  <a:pt x="6477750" y="2872989"/>
+                </a:cubicBezTo>
+                <a:cubicBezTo>
+                  <a:pt x="6439195" y="2870905"/>
+                  <a:pt x="6400529" y="2872530"/>
+                  <a:pt x="6362294" y="2877832"/>
+                </a:cubicBezTo>
+                <a:lnTo>
+                  <a:pt x="6057129" y="2877832"/>
+                </a:lnTo>
+                <a:lnTo>
+                  <a:pt x="5977784" y="2873238"/>
+                </a:lnTo>
+                <a:cubicBezTo>
+                  <a:pt x="5740261" y="2860825"/>
+                  <a:pt x="5502739" y="2847046"/>
+                  <a:pt x="5265087" y="2836989"/>
+                </a:cubicBezTo>
+                <a:cubicBezTo>
+                  <a:pt x="4958267" y="2824573"/>
+                  <a:pt x="4651826" y="2804093"/>
+                  <a:pt x="4346277" y="2774919"/>
+                </a:cubicBezTo>
+                <a:cubicBezTo>
+                  <a:pt x="4021654" y="2744007"/>
+                  <a:pt x="3697795" y="2709372"/>
+                  <a:pt x="3373045" y="2676350"/>
+                </a:cubicBezTo>
+                <a:cubicBezTo>
+                  <a:pt x="3035412" y="2642088"/>
+                  <a:pt x="2698456" y="2602449"/>
+                  <a:pt x="2362173" y="2557423"/>
+                </a:cubicBezTo>
+                <a:cubicBezTo>
+                  <a:pt x="1984692" y="2507270"/>
+                  <a:pt x="1608364" y="2449544"/>
+                  <a:pt x="1233178" y="2384247"/>
+                </a:cubicBezTo>
+                <a:cubicBezTo>
+                  <a:pt x="842181" y="2315534"/>
+                  <a:pt x="453758" y="2237046"/>
+                  <a:pt x="68500" y="2144540"/>
+                </a:cubicBezTo>
+                <a:lnTo>
+                  <a:pt x="0" y="2127185"/>
+                </a:lnTo>
+                <a:lnTo>
+                  <a:pt x="0" y="2070696"/>
+                </a:lnTo>
+                <a:lnTo>
+                  <a:pt x="72441" y="2089473"/>
+                </a:lnTo>
+                <a:cubicBezTo>
+                  <a:pt x="247961" y="2131651"/>
+                  <a:pt x="424164" y="2170911"/>
+                  <a:pt x="600716" y="2207843"/>
+                </a:cubicBezTo>
+                <a:cubicBezTo>
+                  <a:pt x="988279" y="2288657"/>
+                  <a:pt x="1378133" y="2357555"/>
+                  <a:pt x="1769512" y="2418011"/>
+                </a:cubicBezTo>
+                <a:cubicBezTo>
+                  <a:pt x="2052426" y="2461587"/>
+                  <a:pt x="2335725" y="2501684"/>
+                  <a:pt x="2613554" y="2534953"/>
+                </a:cubicBezTo>
+                <a:cubicBezTo>
+                  <a:pt x="2605544" y="2537560"/>
+                  <a:pt x="2594611" y="2527504"/>
+                  <a:pt x="2581134" y="2525022"/>
+                </a:cubicBezTo>
+                <a:cubicBezTo>
+                  <a:pt x="2087178" y="2433070"/>
+                  <a:pt x="1597684" y="2322177"/>
+                  <a:pt x="1112635" y="2192325"/>
+                </a:cubicBezTo>
+                <a:cubicBezTo>
+                  <a:pt x="880453" y="2130254"/>
+                  <a:pt x="649713" y="2063776"/>
+                  <a:pt x="420412" y="1992892"/>
+                </a:cubicBezTo>
+                <a:lnTo>
+                  <a:pt x="0" y="1853975"/>
+                </a:lnTo>
+                <a:close/>
+              </a:path>
+            </a:pathLst>
+          </a:custGeom>
+          <a:solidFill>
+            <a:schemeClr val="accent2"/>
+          </a:solidFill>
+          <a:ln>
+            <a:noFill/>
+          </a:ln>
+        </p:spPr>
+        <p:style>
+          <a:lnRef idx="2">
+            <a:schemeClr val="accent1">
+              <a:shade val="50000"/>
+            </a:schemeClr>
+          </a:lnRef>
+          <a:fillRef idx="1">
+            <a:schemeClr val="accent1"/>
+          </a:fillRef>
+          <a:effectRef idx="0">
+            <a:schemeClr val="accent1"/>
+          </a:effectRef>
+          <a:fontRef idx="minor">
+            <a:schemeClr val="lt1"/>
+          </a:fontRef>
+        </p:style>
+        <p:txBody>
+          <a:bodyPr wrap="square" rtlCol="0" anchor="ctr">
+            <a:noAutofit/>
+          </a:bodyPr>
+          <a:lstStyle/>
+          <a:p>
+            <a:pPr algn="ctr"/>
+            <a:endParaRPr lang="en-US"/>
+          </a:p>
+        </p:txBody>
+      </p:sp>
+      <p:sp>
+        <p:nvSpPr>
+          <p:cNvPr id="2" name="제목 1">
+            <a:extLst>
+              <a:ext uri="{FF2B5EF4-FFF2-40B4-BE49-F238E27FC236}">
+                <a16:creationId xmlns:a16="http://schemas.microsoft.com/office/drawing/2014/main" id="{BA44C2BC-CD60-7965-4491-0F7D51181C4F}"/>
+              </a:ext>
+            </a:extLst>
+          </p:cNvPr>
+          <p:cNvSpPr>
+            <a:spLocks noGrp="1"/>
+          </p:cNvSpPr>
+          <p:nvPr>
+            <p:ph type="title"/>
+          </p:nvPr>
+        </p:nvSpPr>
+        <p:spPr>
+          <a:xfrm>
+            <a:off x="638881" y="390525"/>
+            <a:ext cx="10909640" cy="1510301"/>
+          </a:xfrm>
+        </p:spPr>
+        <p:txBody>
+          <a:bodyPr vert="horz" lIns="91440" tIns="45720" rIns="91440" bIns="45720" rtlCol="0" anchor="ctr">
+            <a:normAutofit/>
+          </a:bodyPr>
+          <a:lstStyle/>
+          <a:p>
+            <a:pPr algn="ctr" latinLnBrk="0"/>
+            <a:r>
+              <a:rPr lang="en-US" altLang="ko-KR" sz="6600" kern="1200">
+                <a:solidFill>
+                  <a:srgbClr val="FFFFFF"/>
+                </a:solidFill>
+                <a:latin typeface="+mj-lt"/>
+                <a:ea typeface="+mj-ea"/>
+                <a:cs typeface="+mj-cs"/>
+              </a:rPr>
+              <a:t>OpenGL </a:t>
+            </a:r>
+            <a:r>
+              <a:rPr lang="ko-KR" altLang="en-US" sz="6600" kern="1200">
+                <a:solidFill>
+                  <a:srgbClr val="FFFFFF"/>
+                </a:solidFill>
+                <a:latin typeface="+mj-lt"/>
+                <a:ea typeface="+mj-ea"/>
+                <a:cs typeface="+mj-cs"/>
+              </a:rPr>
+              <a:t>라이브러리 추가</a:t>
+            </a:r>
+          </a:p>
+        </p:txBody>
+      </p:sp>
+      <p:sp>
+        <p:nvSpPr>
+          <p:cNvPr id="3" name="내용 개체 틀 2">
+            <a:extLst>
+              <a:ext uri="{FF2B5EF4-FFF2-40B4-BE49-F238E27FC236}">
+                <a16:creationId xmlns:a16="http://schemas.microsoft.com/office/drawing/2014/main" id="{07763450-696F-706C-1993-029541371C67}"/>
+              </a:ext>
+            </a:extLst>
+          </p:cNvPr>
+          <p:cNvSpPr>
+            <a:spLocks noGrp="1"/>
+          </p:cNvSpPr>
+          <p:nvPr>
+            <p:ph idx="1"/>
+          </p:nvPr>
+        </p:nvSpPr>
+        <p:spPr>
+          <a:xfrm>
+            <a:off x="2895601" y="1900826"/>
+            <a:ext cx="6396204" cy="662542"/>
+          </a:xfrm>
+        </p:spPr>
+        <p:txBody>
+          <a:bodyPr vert="horz" lIns="91440" tIns="45720" rIns="91440" bIns="45720" rtlCol="0" anchor="ctr">
+            <a:normAutofit/>
+          </a:bodyPr>
+          <a:lstStyle/>
+          <a:p>
+            <a:pPr marL="0" indent="0" algn="ctr" latinLnBrk="0">
+              <a:buNone/>
+            </a:pPr>
+            <a:r>
+              <a:rPr lang="en-US" altLang="ko-KR" sz="2400" kern="1200">
+                <a:solidFill>
+                  <a:srgbClr val="FFFFFF"/>
+                </a:solidFill>
+                <a:latin typeface="+mn-lt"/>
+                <a:ea typeface="+mn-ea"/>
+                <a:cs typeface="+mn-cs"/>
+              </a:rPr>
+              <a:t>OpenGL</a:t>
+            </a:r>
+            <a:r>
+              <a:rPr lang="ko-KR" altLang="en-US" sz="2400" kern="1200">
+                <a:solidFill>
+                  <a:srgbClr val="FFFFFF"/>
+                </a:solidFill>
+                <a:latin typeface="+mn-lt"/>
+                <a:ea typeface="+mn-ea"/>
+                <a:cs typeface="+mn-cs"/>
+              </a:rPr>
+              <a:t>과 </a:t>
+            </a:r>
+            <a:r>
+              <a:rPr lang="en-US" altLang="ko-KR" sz="2400" kern="1200">
+                <a:solidFill>
+                  <a:srgbClr val="FFFFFF"/>
+                </a:solidFill>
+                <a:latin typeface="+mn-lt"/>
+                <a:ea typeface="+mn-ea"/>
+                <a:cs typeface="+mn-cs"/>
+              </a:rPr>
+              <a:t>GLU</a:t>
+            </a:r>
+          </a:p>
+        </p:txBody>
+      </p:sp>
+      <p:sp>
+        <p:nvSpPr>
+          <p:cNvPr id="14" name="sketch line">
+            <a:extLst>
+              <a:ext uri="{FF2B5EF4-FFF2-40B4-BE49-F238E27FC236}">
+                <a16:creationId xmlns:a16="http://schemas.microsoft.com/office/drawing/2014/main" id="{56037404-66BD-46B5-9323-1B531319671A}"/>
+              </a:ext>
+              <a:ext uri="{C183D7F6-B498-43B3-948B-1728B52AA6E4}">
+                <adec:decorative xmlns:adec="http://schemas.microsoft.com/office/drawing/2017/decorative" val="1"/>
+              </a:ext>
+            </a:extLst>
+          </p:cNvPr>
+          <p:cNvSpPr>
+            <a:spLocks noGrp="1" noRot="1" noChangeAspect="1" noMove="1" noResize="1" noEditPoints="1" noAdjustHandles="1" noChangeArrowheads="1" noChangeShapeType="1" noTextEdit="1"/>
+          </p:cNvSpPr>
+          <p:nvPr>
+            <p:extLst>
+              <p:ext uri="{386F3935-93C4-4BCD-93E2-E3B085C9AB24}">
+                <p16:designElem xmlns:p16="http://schemas.microsoft.com/office/powerpoint/2015/main" val="1"/>
+              </p:ext>
+            </p:extLst>
+          </p:nvPr>
+        </p:nvSpPr>
+        <p:spPr>
+          <a:xfrm>
+            <a:off x="3974206" y="1753266"/>
+            <a:ext cx="4243589" cy="18288"/>
+          </a:xfrm>
+          <a:custGeom>
+            <a:avLst/>
+            <a:gdLst>
+              <a:gd name="connsiteX0" fmla="*/ 0 w 4243589"/>
+              <a:gd name="connsiteY0" fmla="*/ 0 h 18288"/>
+              <a:gd name="connsiteX1" fmla="*/ 563791 w 4243589"/>
+              <a:gd name="connsiteY1" fmla="*/ 0 h 18288"/>
+              <a:gd name="connsiteX2" fmla="*/ 1042710 w 4243589"/>
+              <a:gd name="connsiteY2" fmla="*/ 0 h 18288"/>
+              <a:gd name="connsiteX3" fmla="*/ 1564066 w 4243589"/>
+              <a:gd name="connsiteY3" fmla="*/ 0 h 18288"/>
+              <a:gd name="connsiteX4" fmla="*/ 2212729 w 4243589"/>
+              <a:gd name="connsiteY4" fmla="*/ 0 h 18288"/>
+              <a:gd name="connsiteX5" fmla="*/ 2776520 w 4243589"/>
+              <a:gd name="connsiteY5" fmla="*/ 0 h 18288"/>
+              <a:gd name="connsiteX6" fmla="*/ 3297875 w 4243589"/>
+              <a:gd name="connsiteY6" fmla="*/ 0 h 18288"/>
+              <a:gd name="connsiteX7" fmla="*/ 4243589 w 4243589"/>
+              <a:gd name="connsiteY7" fmla="*/ 0 h 18288"/>
+              <a:gd name="connsiteX8" fmla="*/ 4243589 w 4243589"/>
+              <a:gd name="connsiteY8" fmla="*/ 18288 h 18288"/>
+              <a:gd name="connsiteX9" fmla="*/ 3637362 w 4243589"/>
+              <a:gd name="connsiteY9" fmla="*/ 18288 h 18288"/>
+              <a:gd name="connsiteX10" fmla="*/ 3116007 w 4243589"/>
+              <a:gd name="connsiteY10" fmla="*/ 18288 h 18288"/>
+              <a:gd name="connsiteX11" fmla="*/ 2424908 w 4243589"/>
+              <a:gd name="connsiteY11" fmla="*/ 18288 h 18288"/>
+              <a:gd name="connsiteX12" fmla="*/ 1861117 w 4243589"/>
+              <a:gd name="connsiteY12" fmla="*/ 18288 h 18288"/>
+              <a:gd name="connsiteX13" fmla="*/ 1382198 w 4243589"/>
+              <a:gd name="connsiteY13" fmla="*/ 18288 h 18288"/>
+              <a:gd name="connsiteX14" fmla="*/ 733535 w 4243589"/>
+              <a:gd name="connsiteY14" fmla="*/ 18288 h 18288"/>
+              <a:gd name="connsiteX15" fmla="*/ 0 w 4243589"/>
+              <a:gd name="connsiteY15" fmla="*/ 18288 h 18288"/>
+              <a:gd name="connsiteX16" fmla="*/ 0 w 4243589"/>
+              <a:gd name="connsiteY16" fmla="*/ 0 h 18288"/>
+            </a:gdLst>
+            <a:ahLst/>
+            <a:cxnLst>
+              <a:cxn ang="0">
+                <a:pos x="connsiteX0" y="connsiteY0"/>
+              </a:cxn>
+              <a:cxn ang="0">
+                <a:pos x="connsiteX1" y="connsiteY1"/>
+              </a:cxn>
+              <a:cxn ang="0">
+                <a:pos x="connsiteX2" y="connsiteY2"/>
+              </a:cxn>
+              <a:cxn ang="0">
+                <a:pos x="connsiteX3" y="connsiteY3"/>
+              </a:cxn>
+              <a:cxn ang="0">
+                <a:pos x="connsiteX4" y="connsiteY4"/>
+              </a:cxn>
+              <a:cxn ang="0">
+                <a:pos x="connsiteX5" y="connsiteY5"/>
+              </a:cxn>
+              <a:cxn ang="0">
+                <a:pos x="connsiteX6" y="connsiteY6"/>
+              </a:cxn>
+              <a:cxn ang="0">
+                <a:pos x="connsiteX7" y="connsiteY7"/>
+              </a:cxn>
+              <a:cxn ang="0">
+                <a:pos x="connsiteX8" y="connsiteY8"/>
+              </a:cxn>
+              <a:cxn ang="0">
+                <a:pos x="connsiteX9" y="connsiteY9"/>
+              </a:cxn>
+              <a:cxn ang="0">
+                <a:pos x="connsiteX10" y="connsiteY10"/>
+              </a:cxn>
+              <a:cxn ang="0">
+                <a:pos x="connsiteX11" y="connsiteY11"/>
+              </a:cxn>
+              <a:cxn ang="0">
+                <a:pos x="connsiteX12" y="connsiteY12"/>
+              </a:cxn>
+              <a:cxn ang="0">
+                <a:pos x="connsiteX13" y="connsiteY13"/>
+              </a:cxn>
+              <a:cxn ang="0">
+                <a:pos x="connsiteX14" y="connsiteY14"/>
+              </a:cxn>
+              <a:cxn ang="0">
+                <a:pos x="connsiteX15" y="connsiteY15"/>
+              </a:cxn>
+              <a:cxn ang="0">
+                <a:pos x="connsiteX16" y="connsiteY16"/>
+              </a:cxn>
+            </a:cxnLst>
+            <a:rect l="l" t="t" r="r" b="b"/>
+            <a:pathLst>
+              <a:path w="4243589" h="18288" fill="none" extrusionOk="0">
+                <a:moveTo>
+                  <a:pt x="0" y="0"/>
+                </a:moveTo>
+                <a:cubicBezTo>
+                  <a:pt x="157351" y="-15653"/>
+                  <a:pt x="378877" y="-5828"/>
+                  <a:pt x="563791" y="0"/>
+                </a:cubicBezTo>
+                <a:cubicBezTo>
+                  <a:pt x="748705" y="5828"/>
+                  <a:pt x="905659" y="-5525"/>
+                  <a:pt x="1042710" y="0"/>
+                </a:cubicBezTo>
+                <a:cubicBezTo>
+                  <a:pt x="1179761" y="5525"/>
+                  <a:pt x="1356845" y="-21288"/>
+                  <a:pt x="1564066" y="0"/>
+                </a:cubicBezTo>
+                <a:cubicBezTo>
+                  <a:pt x="1771287" y="21288"/>
+                  <a:pt x="1912099" y="25135"/>
+                  <a:pt x="2212729" y="0"/>
+                </a:cubicBezTo>
+                <a:cubicBezTo>
+                  <a:pt x="2513359" y="-25135"/>
+                  <a:pt x="2514918" y="-27119"/>
+                  <a:pt x="2776520" y="0"/>
+                </a:cubicBezTo>
+                <a:cubicBezTo>
+                  <a:pt x="3038122" y="27119"/>
+                  <a:pt x="3178771" y="18116"/>
+                  <a:pt x="3297875" y="0"/>
+                </a:cubicBezTo>
+                <a:cubicBezTo>
+                  <a:pt x="3416980" y="-18116"/>
+                  <a:pt x="4012240" y="-40869"/>
+                  <a:pt x="4243589" y="0"/>
+                </a:cubicBezTo>
+                <a:cubicBezTo>
+                  <a:pt x="4243987" y="7429"/>
+                  <a:pt x="4243569" y="10822"/>
+                  <a:pt x="4243589" y="18288"/>
+                </a:cubicBezTo>
+                <a:cubicBezTo>
+                  <a:pt x="4112949" y="-2855"/>
+                  <a:pt x="3928037" y="1831"/>
+                  <a:pt x="3637362" y="18288"/>
+                </a:cubicBezTo>
+                <a:cubicBezTo>
+                  <a:pt x="3346687" y="34745"/>
+                  <a:pt x="3254446" y="26669"/>
+                  <a:pt x="3116007" y="18288"/>
+                </a:cubicBezTo>
+                <a:cubicBezTo>
+                  <a:pt x="2977569" y="9907"/>
+                  <a:pt x="2620228" y="28873"/>
+                  <a:pt x="2424908" y="18288"/>
+                </a:cubicBezTo>
+                <a:cubicBezTo>
+                  <a:pt x="2229588" y="7703"/>
+                  <a:pt x="2088287" y="-3854"/>
+                  <a:pt x="1861117" y="18288"/>
+                </a:cubicBezTo>
+                <a:cubicBezTo>
+                  <a:pt x="1633947" y="40430"/>
+                  <a:pt x="1502447" y="-871"/>
+                  <a:pt x="1382198" y="18288"/>
+                </a:cubicBezTo>
+                <a:cubicBezTo>
+                  <a:pt x="1261949" y="37447"/>
+                  <a:pt x="1045440" y="28353"/>
+                  <a:pt x="733535" y="18288"/>
+                </a:cubicBezTo>
+                <a:cubicBezTo>
+                  <a:pt x="421630" y="8223"/>
+                  <a:pt x="341257" y="-18359"/>
+                  <a:pt x="0" y="18288"/>
+                </a:cubicBezTo>
+                <a:cubicBezTo>
+                  <a:pt x="-591" y="13205"/>
+                  <a:pt x="-663" y="6329"/>
+                  <a:pt x="0" y="0"/>
+                </a:cubicBezTo>
+                <a:close/>
+              </a:path>
+              <a:path w="4243589" h="18288" stroke="0" extrusionOk="0">
+                <a:moveTo>
+                  <a:pt x="0" y="0"/>
+                </a:moveTo>
+                <a:cubicBezTo>
+                  <a:pt x="128164" y="17204"/>
+                  <a:pt x="312653" y="1129"/>
+                  <a:pt x="563791" y="0"/>
+                </a:cubicBezTo>
+                <a:cubicBezTo>
+                  <a:pt x="814929" y="-1129"/>
+                  <a:pt x="837271" y="8503"/>
+                  <a:pt x="1042710" y="0"/>
+                </a:cubicBezTo>
+                <a:cubicBezTo>
+                  <a:pt x="1248149" y="-8503"/>
+                  <a:pt x="1588432" y="-28862"/>
+                  <a:pt x="1733809" y="0"/>
+                </a:cubicBezTo>
+                <a:cubicBezTo>
+                  <a:pt x="1879186" y="28862"/>
+                  <a:pt x="2052815" y="5974"/>
+                  <a:pt x="2297600" y="0"/>
+                </a:cubicBezTo>
+                <a:cubicBezTo>
+                  <a:pt x="2542385" y="-5974"/>
+                  <a:pt x="2699960" y="-23550"/>
+                  <a:pt x="2861391" y="0"/>
+                </a:cubicBezTo>
+                <a:cubicBezTo>
+                  <a:pt x="3022822" y="23550"/>
+                  <a:pt x="3390411" y="25272"/>
+                  <a:pt x="3552490" y="0"/>
+                </a:cubicBezTo>
+                <a:cubicBezTo>
+                  <a:pt x="3714569" y="-25272"/>
+                  <a:pt x="3950585" y="-31327"/>
+                  <a:pt x="4243589" y="0"/>
+                </a:cubicBezTo>
+                <a:cubicBezTo>
+                  <a:pt x="4242703" y="5429"/>
+                  <a:pt x="4244410" y="14046"/>
+                  <a:pt x="4243589" y="18288"/>
+                </a:cubicBezTo>
+                <a:cubicBezTo>
+                  <a:pt x="4130424" y="-1240"/>
+                  <a:pt x="3932803" y="42249"/>
+                  <a:pt x="3722234" y="18288"/>
+                </a:cubicBezTo>
+                <a:cubicBezTo>
+                  <a:pt x="3511665" y="-5673"/>
+                  <a:pt x="3269903" y="45994"/>
+                  <a:pt x="3116007" y="18288"/>
+                </a:cubicBezTo>
+                <a:cubicBezTo>
+                  <a:pt x="2962111" y="-9418"/>
+                  <a:pt x="2744280" y="23224"/>
+                  <a:pt x="2509780" y="18288"/>
+                </a:cubicBezTo>
+                <a:cubicBezTo>
+                  <a:pt x="2275280" y="13352"/>
+                  <a:pt x="2066059" y="43664"/>
+                  <a:pt x="1945989" y="18288"/>
+                </a:cubicBezTo>
+                <a:cubicBezTo>
+                  <a:pt x="1825919" y="-7088"/>
+                  <a:pt x="1407329" y="12616"/>
+                  <a:pt x="1254890" y="18288"/>
+                </a:cubicBezTo>
+                <a:cubicBezTo>
+                  <a:pt x="1102451" y="23960"/>
+                  <a:pt x="837950" y="31673"/>
+                  <a:pt x="563791" y="18288"/>
+                </a:cubicBezTo>
+                <a:cubicBezTo>
+                  <a:pt x="289632" y="4903"/>
+                  <a:pt x="132768" y="7105"/>
+                  <a:pt x="0" y="18288"/>
+                </a:cubicBezTo>
+                <a:cubicBezTo>
+                  <a:pt x="668" y="13665"/>
+                  <a:pt x="578" y="5675"/>
+                  <a:pt x="0" y="0"/>
+                </a:cubicBezTo>
+                <a:close/>
+              </a:path>
+            </a:pathLst>
+          </a:custGeom>
+          <a:solidFill>
+            <a:srgbClr val="FFFFFF"/>
+          </a:solidFill>
+          <a:ln w="38100" cap="rnd">
+            <a:solidFill>
+              <a:srgbClr val="FFFFFF"/>
+            </a:solidFill>
+            <a:round/>
+            <a:extLst>
+              <a:ext uri="{C807C97D-BFC1-408E-A445-0C87EB9F89A2}">
+                <ask:lineSketchStyleProps xmlns:ask="http://schemas.microsoft.com/office/drawing/2018/sketchyshapes" sd="1219033472">
+                  <a:prstGeom prst="rect">
+                    <a:avLst/>
+                  </a:prstGeom>
+                  <ask:type>
+                    <ask:lineSketchFreehand/>
+                  </ask:type>
+                </ask:lineSketchStyleProps>
+              </a:ext>
+            </a:extLst>
+          </a:ln>
+        </p:spPr>
+        <p:style>
+          <a:lnRef idx="2">
+            <a:schemeClr val="accent1">
+              <a:shade val="50000"/>
+            </a:schemeClr>
+          </a:lnRef>
+          <a:fillRef idx="1">
+            <a:schemeClr val="accent1"/>
+          </a:fillRef>
+          <a:effectRef idx="0">
+            <a:schemeClr val="accent1"/>
+          </a:effectRef>
+          <a:fontRef idx="minor">
+            <a:schemeClr val="lt1"/>
+          </a:fontRef>
+        </p:style>
+        <p:txBody>
+          <a:bodyPr rtlCol="0" anchor="ctr"/>
+          <a:lstStyle/>
+          <a:p>
+            <a:pPr algn="ctr"/>
+            <a:endParaRPr lang="en-US"/>
+          </a:p>
+        </p:txBody>
+      </p:sp>
+      <p:pic>
+        <p:nvPicPr>
+          <p:cNvPr id="5" name="그림 4">
+            <a:extLst>
+              <a:ext uri="{FF2B5EF4-FFF2-40B4-BE49-F238E27FC236}">
+                <a16:creationId xmlns:a16="http://schemas.microsoft.com/office/drawing/2014/main" id="{093069B9-F96F-1C0D-8913-573F618FF5D3}"/>
+              </a:ext>
+            </a:extLst>
+          </p:cNvPr>
+          <p:cNvPicPr>
+            <a:picLocks noChangeAspect="1"/>
+          </p:cNvPicPr>
+          <p:nvPr/>
+        </p:nvPicPr>
+        <p:blipFill>
+          <a:blip r:embed="rId2"/>
+          <a:stretch>
+            <a:fillRect/>
+          </a:stretch>
+        </p:blipFill>
+        <p:spPr>
+          <a:xfrm>
+            <a:off x="2521820" y="3067050"/>
+            <a:ext cx="7552984" cy="3587669"/>
+          </a:xfrm>
+          <a:prstGeom prst="rect">
+            <a:avLst/>
+          </a:prstGeom>
+        </p:spPr>
+      </p:pic>
+    </p:spTree>
+    <p:extLst>
+      <p:ext uri="{BB962C8B-B14F-4D97-AF65-F5344CB8AC3E}">
+        <p14:creationId xmlns:p14="http://schemas.microsoft.com/office/powerpoint/2010/main" val="2514463882"/>
+      </p:ext>
+    </p:extLst>
+  </p:cSld>
+  <p:clrMapOvr>
+    <a:masterClrMapping/>
+  </p:clrMapOvr>
+</p:sld>
+</file>
+
 <file path=ppt/theme/theme1.xml><?xml version="1.0" encoding="utf-8"?>
 <a:theme xmlns:a="http://schemas.openxmlformats.org/drawingml/2006/main" name="Office 테마">
   <a:themeElements>
